--- a/Slides/23. Arquivos Texto.pptx
+++ b/Slides/23. Arquivos Texto.pptx
@@ -167,16 +167,13 @@
 <file path=ppt/revisionInfo.xml><?xml version="1.0" encoding="utf-8"?>
 <p1510:revInfo xmlns:a="http://schemas.openxmlformats.org/drawingml/2006/main" xmlns:r="http://schemas.openxmlformats.org/officeDocument/2006/relationships" xmlns:p1510="http://schemas.microsoft.com/office/powerpoint/2015/10/main">
   <p1510:revLst>
-    <p1510:client id="{A19463C8-CA67-45D9-BA61-B238B3DED77F}" v="9" dt="2020-01-13T21:32:54.060"/>
+    <p1510:client id="{E45340D2-D6E3-45A7-80A8-DB39EB808FB0}" v="38" dt="2021-05-24T19:48:58.065"/>
   </p1510:revLst>
 </p1510:revInfo>
 </file>
 
 <file path=ppt/changesInfos/changesInfo1.xml><?xml version="1.0" encoding="utf-8"?>
 <pc:chgInfo xmlns:a="http://schemas.openxmlformats.org/drawingml/2006/main" xmlns:r="http://schemas.openxmlformats.org/officeDocument/2006/relationships" xmlns:ac="http://schemas.microsoft.com/office/drawing/2013/main/command" xmlns:pc="http://schemas.microsoft.com/office/powerpoint/2013/main/command">
-  <pc:docChgLst>
-    <pc:chgData name="Judson Santiago" userId="ebb108da2f256286" providerId="LiveId" clId="{537748B7-8ED3-4403-ACF6-1D892329946A}"/>
-  </pc:docChgLst>
   <pc:docChgLst>
     <pc:chgData name="Judson Santiago" userId="ebb108da2f256286" providerId="LiveId" clId="{F1525B2B-01F6-4C89-8DC7-FE25ADA2E5C2}"/>
     <pc:docChg chg="undo custSel addSld delSld modSld">
@@ -650,6 +647,388 @@
           </ac:spMkLst>
         </pc:spChg>
       </pc:sldChg>
+    </pc:docChg>
+  </pc:docChgLst>
+  <pc:docChgLst>
+    <pc:chgData name="Judson Santiago" userId="ebb108da2f256286" providerId="LiveId" clId="{E45340D2-D6E3-45A7-80A8-DB39EB808FB0}"/>
+    <pc:docChg chg="undo custSel modSld modMainMaster">
+      <pc:chgData name="Judson Santiago" userId="ebb108da2f256286" providerId="LiveId" clId="{E45340D2-D6E3-45A7-80A8-DB39EB808FB0}" dt="2021-05-24T19:50:59.911" v="256"/>
+      <pc:docMkLst>
+        <pc:docMk/>
+      </pc:docMkLst>
+      <pc:sldChg chg="modSp modAnim">
+        <pc:chgData name="Judson Santiago" userId="ebb108da2f256286" providerId="LiveId" clId="{E45340D2-D6E3-45A7-80A8-DB39EB808FB0}" dt="2021-05-24T18:22:03.605" v="29" actId="20577"/>
+        <pc:sldMkLst>
+          <pc:docMk/>
+          <pc:sldMk cId="0" sldId="257"/>
+        </pc:sldMkLst>
+        <pc:spChg chg="mod">
+          <ac:chgData name="Judson Santiago" userId="ebb108da2f256286" providerId="LiveId" clId="{E45340D2-D6E3-45A7-80A8-DB39EB808FB0}" dt="2021-05-24T18:22:03.605" v="29" actId="20577"/>
+          <ac:spMkLst>
+            <pc:docMk/>
+            <pc:sldMk cId="0" sldId="257"/>
+            <ac:spMk id="3" creationId="{00000000-0000-0000-0000-000000000000}"/>
+          </ac:spMkLst>
+        </pc:spChg>
+      </pc:sldChg>
+      <pc:sldChg chg="addSp modSp mod">
+        <pc:chgData name="Judson Santiago" userId="ebb108da2f256286" providerId="LiveId" clId="{E45340D2-D6E3-45A7-80A8-DB39EB808FB0}" dt="2021-05-24T19:37:12.701" v="201" actId="1076"/>
+        <pc:sldMkLst>
+          <pc:docMk/>
+          <pc:sldMk cId="0" sldId="267"/>
+        </pc:sldMkLst>
+        <pc:spChg chg="mod">
+          <ac:chgData name="Judson Santiago" userId="ebb108da2f256286" providerId="LiveId" clId="{E45340D2-D6E3-45A7-80A8-DB39EB808FB0}" dt="2021-05-24T19:37:00.192" v="199" actId="6549"/>
+          <ac:spMkLst>
+            <pc:docMk/>
+            <pc:sldMk cId="0" sldId="267"/>
+            <ac:spMk id="3" creationId="{00000000-0000-0000-0000-000000000000}"/>
+          </ac:spMkLst>
+        </pc:spChg>
+        <pc:spChg chg="mod">
+          <ac:chgData name="Judson Santiago" userId="ebb108da2f256286" providerId="LiveId" clId="{E45340D2-D6E3-45A7-80A8-DB39EB808FB0}" dt="2021-05-24T19:36:30.754" v="192" actId="164"/>
+          <ac:spMkLst>
+            <pc:docMk/>
+            <pc:sldMk cId="0" sldId="267"/>
+            <ac:spMk id="4" creationId="{00000000-0000-0000-0000-000000000000}"/>
+          </ac:spMkLst>
+        </pc:spChg>
+        <pc:spChg chg="mod">
+          <ac:chgData name="Judson Santiago" userId="ebb108da2f256286" providerId="LiveId" clId="{E45340D2-D6E3-45A7-80A8-DB39EB808FB0}" dt="2021-05-24T19:36:30.754" v="192" actId="164"/>
+          <ac:spMkLst>
+            <pc:docMk/>
+            <pc:sldMk cId="0" sldId="267"/>
+            <ac:spMk id="5" creationId="{00000000-0000-0000-0000-000000000000}"/>
+          </ac:spMkLst>
+        </pc:spChg>
+        <pc:spChg chg="mod">
+          <ac:chgData name="Judson Santiago" userId="ebb108da2f256286" providerId="LiveId" clId="{E45340D2-D6E3-45A7-80A8-DB39EB808FB0}" dt="2021-05-24T19:36:30.754" v="192" actId="164"/>
+          <ac:spMkLst>
+            <pc:docMk/>
+            <pc:sldMk cId="0" sldId="267"/>
+            <ac:spMk id="6" creationId="{00000000-0000-0000-0000-000000000000}"/>
+          </ac:spMkLst>
+        </pc:spChg>
+        <pc:spChg chg="mod">
+          <ac:chgData name="Judson Santiago" userId="ebb108da2f256286" providerId="LiveId" clId="{E45340D2-D6E3-45A7-80A8-DB39EB808FB0}" dt="2021-05-24T19:36:30.754" v="192" actId="164"/>
+          <ac:spMkLst>
+            <pc:docMk/>
+            <pc:sldMk cId="0" sldId="267"/>
+            <ac:spMk id="7" creationId="{00000000-0000-0000-0000-000000000000}"/>
+          </ac:spMkLst>
+        </pc:spChg>
+        <pc:spChg chg="mod">
+          <ac:chgData name="Judson Santiago" userId="ebb108da2f256286" providerId="LiveId" clId="{E45340D2-D6E3-45A7-80A8-DB39EB808FB0}" dt="2021-05-24T19:36:30.754" v="192" actId="164"/>
+          <ac:spMkLst>
+            <pc:docMk/>
+            <pc:sldMk cId="0" sldId="267"/>
+            <ac:spMk id="8" creationId="{00000000-0000-0000-0000-000000000000}"/>
+          </ac:spMkLst>
+        </pc:spChg>
+        <pc:spChg chg="mod">
+          <ac:chgData name="Judson Santiago" userId="ebb108da2f256286" providerId="LiveId" clId="{E45340D2-D6E3-45A7-80A8-DB39EB808FB0}" dt="2021-05-24T19:36:30.754" v="192" actId="164"/>
+          <ac:spMkLst>
+            <pc:docMk/>
+            <pc:sldMk cId="0" sldId="267"/>
+            <ac:spMk id="9" creationId="{00000000-0000-0000-0000-000000000000}"/>
+          </ac:spMkLst>
+        </pc:spChg>
+        <pc:spChg chg="mod">
+          <ac:chgData name="Judson Santiago" userId="ebb108da2f256286" providerId="LiveId" clId="{E45340D2-D6E3-45A7-80A8-DB39EB808FB0}" dt="2021-05-24T19:36:30.754" v="192" actId="164"/>
+          <ac:spMkLst>
+            <pc:docMk/>
+            <pc:sldMk cId="0" sldId="267"/>
+            <ac:spMk id="10" creationId="{00000000-0000-0000-0000-000000000000}"/>
+          </ac:spMkLst>
+        </pc:spChg>
+        <pc:spChg chg="mod">
+          <ac:chgData name="Judson Santiago" userId="ebb108da2f256286" providerId="LiveId" clId="{E45340D2-D6E3-45A7-80A8-DB39EB808FB0}" dt="2021-05-24T19:36:30.754" v="192" actId="164"/>
+          <ac:spMkLst>
+            <pc:docMk/>
+            <pc:sldMk cId="0" sldId="267"/>
+            <ac:spMk id="11" creationId="{00000000-0000-0000-0000-000000000000}"/>
+          </ac:spMkLst>
+        </pc:spChg>
+        <pc:spChg chg="mod">
+          <ac:chgData name="Judson Santiago" userId="ebb108da2f256286" providerId="LiveId" clId="{E45340D2-D6E3-45A7-80A8-DB39EB808FB0}" dt="2021-05-24T19:36:30.754" v="192" actId="164"/>
+          <ac:spMkLst>
+            <pc:docMk/>
+            <pc:sldMk cId="0" sldId="267"/>
+            <ac:spMk id="12" creationId="{00000000-0000-0000-0000-000000000000}"/>
+          </ac:spMkLst>
+        </pc:spChg>
+        <pc:spChg chg="mod">
+          <ac:chgData name="Judson Santiago" userId="ebb108da2f256286" providerId="LiveId" clId="{E45340D2-D6E3-45A7-80A8-DB39EB808FB0}" dt="2021-05-24T19:36:30.754" v="192" actId="164"/>
+          <ac:spMkLst>
+            <pc:docMk/>
+            <pc:sldMk cId="0" sldId="267"/>
+            <ac:spMk id="13" creationId="{00000000-0000-0000-0000-000000000000}"/>
+          </ac:spMkLst>
+        </pc:spChg>
+        <pc:spChg chg="mod">
+          <ac:chgData name="Judson Santiago" userId="ebb108da2f256286" providerId="LiveId" clId="{E45340D2-D6E3-45A7-80A8-DB39EB808FB0}" dt="2021-05-24T19:36:30.754" v="192" actId="164"/>
+          <ac:spMkLst>
+            <pc:docMk/>
+            <pc:sldMk cId="0" sldId="267"/>
+            <ac:spMk id="14" creationId="{00000000-0000-0000-0000-000000000000}"/>
+          </ac:spMkLst>
+        </pc:spChg>
+        <pc:spChg chg="mod">
+          <ac:chgData name="Judson Santiago" userId="ebb108da2f256286" providerId="LiveId" clId="{E45340D2-D6E3-45A7-80A8-DB39EB808FB0}" dt="2021-05-24T19:36:30.754" v="192" actId="164"/>
+          <ac:spMkLst>
+            <pc:docMk/>
+            <pc:sldMk cId="0" sldId="267"/>
+            <ac:spMk id="15" creationId="{00000000-0000-0000-0000-000000000000}"/>
+          </ac:spMkLst>
+        </pc:spChg>
+        <pc:grpChg chg="add mod">
+          <ac:chgData name="Judson Santiago" userId="ebb108da2f256286" providerId="LiveId" clId="{E45340D2-D6E3-45A7-80A8-DB39EB808FB0}" dt="2021-05-24T19:36:23.845" v="187" actId="164"/>
+          <ac:grpSpMkLst>
+            <pc:docMk/>
+            <pc:sldMk cId="0" sldId="267"/>
+            <ac:grpSpMk id="16" creationId="{4194F119-4BFF-449A-B62B-D5B6E2D86223}"/>
+          </ac:grpSpMkLst>
+        </pc:grpChg>
+        <pc:grpChg chg="add mod">
+          <ac:chgData name="Judson Santiago" userId="ebb108da2f256286" providerId="LiveId" clId="{E45340D2-D6E3-45A7-80A8-DB39EB808FB0}" dt="2021-05-24T19:37:12.701" v="201" actId="1076"/>
+          <ac:grpSpMkLst>
+            <pc:docMk/>
+            <pc:sldMk cId="0" sldId="267"/>
+            <ac:grpSpMk id="17" creationId="{6D2943D7-497D-4082-A83D-C45785406EBA}"/>
+          </ac:grpSpMkLst>
+        </pc:grpChg>
+      </pc:sldChg>
+      <pc:sldChg chg="addSp modSp">
+        <pc:chgData name="Judson Santiago" userId="ebb108da2f256286" providerId="LiveId" clId="{E45340D2-D6E3-45A7-80A8-DB39EB808FB0}" dt="2021-05-24T19:48:55.674" v="234"/>
+        <pc:sldMkLst>
+          <pc:docMk/>
+          <pc:sldMk cId="0" sldId="271"/>
+        </pc:sldMkLst>
+        <pc:spChg chg="add mod">
+          <ac:chgData name="Judson Santiago" userId="ebb108da2f256286" providerId="LiveId" clId="{E45340D2-D6E3-45A7-80A8-DB39EB808FB0}" dt="2021-05-24T19:48:55.674" v="234"/>
+          <ac:spMkLst>
+            <pc:docMk/>
+            <pc:sldMk cId="0" sldId="271"/>
+            <ac:spMk id="5" creationId="{524F73E6-1757-4723-898E-38D8F5530D2B}"/>
+          </ac:spMkLst>
+        </pc:spChg>
+      </pc:sldChg>
+      <pc:sldChg chg="addSp modSp">
+        <pc:chgData name="Judson Santiago" userId="ebb108da2f256286" providerId="LiveId" clId="{E45340D2-D6E3-45A7-80A8-DB39EB808FB0}" dt="2021-05-24T19:48:58.065" v="235"/>
+        <pc:sldMkLst>
+          <pc:docMk/>
+          <pc:sldMk cId="0" sldId="272"/>
+        </pc:sldMkLst>
+        <pc:spChg chg="add mod">
+          <ac:chgData name="Judson Santiago" userId="ebb108da2f256286" providerId="LiveId" clId="{E45340D2-D6E3-45A7-80A8-DB39EB808FB0}" dt="2021-05-24T19:48:58.065" v="235"/>
+          <ac:spMkLst>
+            <pc:docMk/>
+            <pc:sldMk cId="0" sldId="272"/>
+            <ac:spMk id="5" creationId="{7B8AE834-BC5B-4569-A4EC-5FB58CC00EF0}"/>
+          </ac:spMkLst>
+        </pc:spChg>
+      </pc:sldChg>
+      <pc:sldChg chg="modSp mod">
+        <pc:chgData name="Judson Santiago" userId="ebb108da2f256286" providerId="LiveId" clId="{E45340D2-D6E3-45A7-80A8-DB39EB808FB0}" dt="2021-05-24T19:49:15.449" v="238" actId="207"/>
+        <pc:sldMkLst>
+          <pc:docMk/>
+          <pc:sldMk cId="0" sldId="273"/>
+        </pc:sldMkLst>
+        <pc:spChg chg="mod">
+          <ac:chgData name="Judson Santiago" userId="ebb108da2f256286" providerId="LiveId" clId="{E45340D2-D6E3-45A7-80A8-DB39EB808FB0}" dt="2021-05-24T19:49:15.449" v="238" actId="207"/>
+          <ac:spMkLst>
+            <pc:docMk/>
+            <pc:sldMk cId="0" sldId="273"/>
+            <ac:spMk id="4" creationId="{00000000-0000-0000-0000-000000000000}"/>
+          </ac:spMkLst>
+        </pc:spChg>
+      </pc:sldChg>
+      <pc:sldChg chg="modSp mod">
+        <pc:chgData name="Judson Santiago" userId="ebb108da2f256286" providerId="LiveId" clId="{E45340D2-D6E3-45A7-80A8-DB39EB808FB0}" dt="2021-05-24T18:49:12.187" v="177" actId="20577"/>
+        <pc:sldMkLst>
+          <pc:docMk/>
+          <pc:sldMk cId="0" sldId="274"/>
+        </pc:sldMkLst>
+        <pc:spChg chg="mod">
+          <ac:chgData name="Judson Santiago" userId="ebb108da2f256286" providerId="LiveId" clId="{E45340D2-D6E3-45A7-80A8-DB39EB808FB0}" dt="2021-05-24T18:49:12.187" v="177" actId="20577"/>
+          <ac:spMkLst>
+            <pc:docMk/>
+            <pc:sldMk cId="0" sldId="274"/>
+            <ac:spMk id="3" creationId="{00000000-0000-0000-0000-000000000000}"/>
+          </ac:spMkLst>
+        </pc:spChg>
+      </pc:sldChg>
+      <pc:sldChg chg="addSp modSp mod">
+        <pc:chgData name="Judson Santiago" userId="ebb108da2f256286" providerId="LiveId" clId="{E45340D2-D6E3-45A7-80A8-DB39EB808FB0}" dt="2021-05-24T19:50:13.206" v="254" actId="20577"/>
+        <pc:sldMkLst>
+          <pc:docMk/>
+          <pc:sldMk cId="0" sldId="278"/>
+        </pc:sldMkLst>
+        <pc:spChg chg="add mod">
+          <ac:chgData name="Judson Santiago" userId="ebb108da2f256286" providerId="LiveId" clId="{E45340D2-D6E3-45A7-80A8-DB39EB808FB0}" dt="2021-05-24T19:50:13.206" v="254" actId="20577"/>
+          <ac:spMkLst>
+            <pc:docMk/>
+            <pc:sldMk cId="0" sldId="278"/>
+            <ac:spMk id="5" creationId="{D9E887DC-D3EA-4EFB-9603-B510B9457FC3}"/>
+          </ac:spMkLst>
+        </pc:spChg>
+      </pc:sldChg>
+      <pc:sldChg chg="addSp modSp mod">
+        <pc:chgData name="Judson Santiago" userId="ebb108da2f256286" providerId="LiveId" clId="{E45340D2-D6E3-45A7-80A8-DB39EB808FB0}" dt="2021-05-24T19:50:57.411" v="255"/>
+        <pc:sldMkLst>
+          <pc:docMk/>
+          <pc:sldMk cId="0" sldId="279"/>
+        </pc:sldMkLst>
+        <pc:spChg chg="mod">
+          <ac:chgData name="Judson Santiago" userId="ebb108da2f256286" providerId="LiveId" clId="{E45340D2-D6E3-45A7-80A8-DB39EB808FB0}" dt="2021-05-24T19:46:51.610" v="219" actId="6549"/>
+          <ac:spMkLst>
+            <pc:docMk/>
+            <pc:sldMk cId="0" sldId="279"/>
+            <ac:spMk id="4" creationId="{00000000-0000-0000-0000-000000000000}"/>
+          </ac:spMkLst>
+        </pc:spChg>
+        <pc:spChg chg="add mod">
+          <ac:chgData name="Judson Santiago" userId="ebb108da2f256286" providerId="LiveId" clId="{E45340D2-D6E3-45A7-80A8-DB39EB808FB0}" dt="2021-05-24T19:50:57.411" v="255"/>
+          <ac:spMkLst>
+            <pc:docMk/>
+            <pc:sldMk cId="0" sldId="279"/>
+            <ac:spMk id="5" creationId="{FE9B72A2-C909-4C9D-A993-8138BD30236D}"/>
+          </ac:spMkLst>
+        </pc:spChg>
+      </pc:sldChg>
+      <pc:sldChg chg="modSp mod">
+        <pc:chgData name="Judson Santiago" userId="ebb108da2f256286" providerId="LiveId" clId="{E45340D2-D6E3-45A7-80A8-DB39EB808FB0}" dt="2021-05-24T19:41:30.744" v="202" actId="207"/>
+        <pc:sldMkLst>
+          <pc:docMk/>
+          <pc:sldMk cId="0" sldId="280"/>
+        </pc:sldMkLst>
+        <pc:spChg chg="mod">
+          <ac:chgData name="Judson Santiago" userId="ebb108da2f256286" providerId="LiveId" clId="{E45340D2-D6E3-45A7-80A8-DB39EB808FB0}" dt="2021-05-24T19:41:30.744" v="202" actId="207"/>
+          <ac:spMkLst>
+            <pc:docMk/>
+            <pc:sldMk cId="0" sldId="280"/>
+            <ac:spMk id="5" creationId="{00000000-0000-0000-0000-000000000000}"/>
+          </ac:spMkLst>
+        </pc:spChg>
+      </pc:sldChg>
+      <pc:sldChg chg="addSp modSp mod">
+        <pc:chgData name="Judson Santiago" userId="ebb108da2f256286" providerId="LiveId" clId="{E45340D2-D6E3-45A7-80A8-DB39EB808FB0}" dt="2021-05-24T19:50:59.911" v="256"/>
+        <pc:sldMkLst>
+          <pc:docMk/>
+          <pc:sldMk cId="0" sldId="285"/>
+        </pc:sldMkLst>
+        <pc:spChg chg="add mod">
+          <ac:chgData name="Judson Santiago" userId="ebb108da2f256286" providerId="LiveId" clId="{E45340D2-D6E3-45A7-80A8-DB39EB808FB0}" dt="2021-05-24T19:50:59.911" v="256"/>
+          <ac:spMkLst>
+            <pc:docMk/>
+            <pc:sldMk cId="0" sldId="285"/>
+            <ac:spMk id="5" creationId="{03F061E6-B5CF-420B-80F7-81D4C5BCA7D7}"/>
+          </ac:spMkLst>
+        </pc:spChg>
+      </pc:sldChg>
+      <pc:sldChg chg="modSp mod">
+        <pc:chgData name="Judson Santiago" userId="ebb108da2f256286" providerId="LiveId" clId="{E45340D2-D6E3-45A7-80A8-DB39EB808FB0}" dt="2021-05-24T18:23:47.054" v="37" actId="20577"/>
+        <pc:sldMkLst>
+          <pc:docMk/>
+          <pc:sldMk cId="197632262" sldId="288"/>
+        </pc:sldMkLst>
+        <pc:spChg chg="mod">
+          <ac:chgData name="Judson Santiago" userId="ebb108da2f256286" providerId="LiveId" clId="{E45340D2-D6E3-45A7-80A8-DB39EB808FB0}" dt="2021-05-24T18:23:47.054" v="37" actId="20577"/>
+          <ac:spMkLst>
+            <pc:docMk/>
+            <pc:sldMk cId="197632262" sldId="288"/>
+            <ac:spMk id="3" creationId="{00000000-0000-0000-0000-000000000000}"/>
+          </ac:spMkLst>
+        </pc:spChg>
+        <pc:spChg chg="mod">
+          <ac:chgData name="Judson Santiago" userId="ebb108da2f256286" providerId="LiveId" clId="{E45340D2-D6E3-45A7-80A8-DB39EB808FB0}" dt="2021-05-24T18:22:56.569" v="36" actId="1035"/>
+          <ac:spMkLst>
+            <pc:docMk/>
+            <pc:sldMk cId="197632262" sldId="288"/>
+            <ac:spMk id="16" creationId="{00000000-0000-0000-0000-000000000000}"/>
+          </ac:spMkLst>
+        </pc:spChg>
+        <pc:spChg chg="mod">
+          <ac:chgData name="Judson Santiago" userId="ebb108da2f256286" providerId="LiveId" clId="{E45340D2-D6E3-45A7-80A8-DB39EB808FB0}" dt="2021-05-24T18:22:56.569" v="36" actId="1035"/>
+          <ac:spMkLst>
+            <pc:docMk/>
+            <pc:sldMk cId="197632262" sldId="288"/>
+            <ac:spMk id="18" creationId="{00000000-0000-0000-0000-000000000000}"/>
+          </ac:spMkLst>
+        </pc:spChg>
+        <pc:grpChg chg="mod">
+          <ac:chgData name="Judson Santiago" userId="ebb108da2f256286" providerId="LiveId" clId="{E45340D2-D6E3-45A7-80A8-DB39EB808FB0}" dt="2021-05-24T18:22:56.569" v="36" actId="1035"/>
+          <ac:grpSpMkLst>
+            <pc:docMk/>
+            <pc:sldMk cId="197632262" sldId="288"/>
+            <ac:grpSpMk id="6" creationId="{00000000-0000-0000-0000-000000000000}"/>
+          </ac:grpSpMkLst>
+        </pc:grpChg>
+        <pc:cxnChg chg="mod">
+          <ac:chgData name="Judson Santiago" userId="ebb108da2f256286" providerId="LiveId" clId="{E45340D2-D6E3-45A7-80A8-DB39EB808FB0}" dt="2021-05-24T18:22:56.569" v="36" actId="1035"/>
+          <ac:cxnSpMkLst>
+            <pc:docMk/>
+            <pc:sldMk cId="197632262" sldId="288"/>
+            <ac:cxnSpMk id="19" creationId="{00000000-0000-0000-0000-000000000000}"/>
+          </ac:cxnSpMkLst>
+        </pc:cxnChg>
+      </pc:sldChg>
+      <pc:sldChg chg="modSp mod">
+        <pc:chgData name="Judson Santiago" userId="ebb108da2f256286" providerId="LiveId" clId="{E45340D2-D6E3-45A7-80A8-DB39EB808FB0}" dt="2021-05-24T18:30:32.769" v="138" actId="20577"/>
+        <pc:sldMkLst>
+          <pc:docMk/>
+          <pc:sldMk cId="1750529289" sldId="289"/>
+        </pc:sldMkLst>
+        <pc:spChg chg="mod">
+          <ac:chgData name="Judson Santiago" userId="ebb108da2f256286" providerId="LiveId" clId="{E45340D2-D6E3-45A7-80A8-DB39EB808FB0}" dt="2021-05-24T18:30:32.769" v="138" actId="20577"/>
+          <ac:spMkLst>
+            <pc:docMk/>
+            <pc:sldMk cId="1750529289" sldId="289"/>
+            <ac:spMk id="3" creationId="{00000000-0000-0000-0000-000000000000}"/>
+          </ac:spMkLst>
+        </pc:spChg>
+      </pc:sldChg>
+      <pc:sldMasterChg chg="setBg modSldLayout">
+        <pc:chgData name="Judson Santiago" userId="ebb108da2f256286" providerId="LiveId" clId="{E45340D2-D6E3-45A7-80A8-DB39EB808FB0}" dt="2021-05-23T21:21:44.031" v="6"/>
+        <pc:sldMasterMkLst>
+          <pc:docMk/>
+          <pc:sldMasterMk cId="0" sldId="2147483660"/>
+        </pc:sldMasterMkLst>
+        <pc:sldLayoutChg chg="addSp modSp mod">
+          <pc:chgData name="Judson Santiago" userId="ebb108da2f256286" providerId="LiveId" clId="{E45340D2-D6E3-45A7-80A8-DB39EB808FB0}" dt="2021-05-23T21:20:01.886" v="3" actId="167"/>
+          <pc:sldLayoutMkLst>
+            <pc:docMk/>
+            <pc:sldMasterMk cId="0" sldId="2147483660"/>
+            <pc:sldLayoutMk cId="0" sldId="2147483661"/>
+          </pc:sldLayoutMkLst>
+          <pc:picChg chg="add mod ord">
+            <ac:chgData name="Judson Santiago" userId="ebb108da2f256286" providerId="LiveId" clId="{E45340D2-D6E3-45A7-80A8-DB39EB808FB0}" dt="2021-05-23T21:20:01.886" v="3" actId="167"/>
+            <ac:picMkLst>
+              <pc:docMk/>
+              <pc:sldMasterMk cId="0" sldId="2147483660"/>
+              <pc:sldLayoutMk cId="0" sldId="2147483661"/>
+              <ac:picMk id="13" creationId="{DFEF6CEE-3D96-4AEF-88AF-36EC0F391EE6}"/>
+            </ac:picMkLst>
+          </pc:picChg>
+        </pc:sldLayoutChg>
+        <pc:sldLayoutChg chg="addSp delSp modSp">
+          <pc:chgData name="Judson Santiago" userId="ebb108da2f256286" providerId="LiveId" clId="{E45340D2-D6E3-45A7-80A8-DB39EB808FB0}" dt="2021-05-23T21:19:57.069" v="1"/>
+          <pc:sldLayoutMkLst>
+            <pc:docMk/>
+            <pc:sldMasterMk cId="0" sldId="2147483660"/>
+            <pc:sldLayoutMk cId="0" sldId="2147483662"/>
+          </pc:sldLayoutMkLst>
+          <pc:picChg chg="add del mod">
+            <ac:chgData name="Judson Santiago" userId="ebb108da2f256286" providerId="LiveId" clId="{E45340D2-D6E3-45A7-80A8-DB39EB808FB0}" dt="2021-05-23T21:19:57.069" v="1"/>
+            <ac:picMkLst>
+              <pc:docMk/>
+              <pc:sldMasterMk cId="0" sldId="2147483660"/>
+              <pc:sldLayoutMk cId="0" sldId="2147483662"/>
+              <ac:picMk id="7" creationId="{6B7ACDB4-B096-4C4C-A086-CC42C6805510}"/>
+            </ac:picMkLst>
+          </pc:picChg>
+        </pc:sldLayoutChg>
+      </pc:sldMasterChg>
     </pc:docChg>
   </pc:docChgLst>
   <pc:docChgLst>
@@ -1887,7 +2266,7 @@
             <a:fld id="{930E53B6-818D-417C-BFE0-5C5C2F79A7B0}" type="datetimeFigureOut">
               <a:rPr lang="pt-BR" smtClean="0"/>
               <a:pPr/>
-              <a:t>13/01/2020</a:t>
+              <a:t>24/05/2021</a:t>
             </a:fld>
             <a:endParaRPr lang="pt-BR"/>
           </a:p>
@@ -3738,6 +4117,37 @@
           <a:chExt cx="0" cy="0"/>
         </a:xfrm>
       </p:grpSpPr>
+      <p:pic>
+        <p:nvPicPr>
+          <p:cNvPr id="13" name="Picture 3" descr="Rede de tecnologia iluminada em uma tela de fundo escura">
+            <a:extLst>
+              <a:ext uri="{FF2B5EF4-FFF2-40B4-BE49-F238E27FC236}">
+                <a16:creationId xmlns:a16="http://schemas.microsoft.com/office/drawing/2014/main" id="{DFEF6CEE-3D96-4AEF-88AF-36EC0F391EE6}"/>
+              </a:ext>
+            </a:extLst>
+          </p:cNvPr>
+          <p:cNvPicPr>
+            <a:picLocks noChangeAspect="1"/>
+          </p:cNvPicPr>
+          <p:nvPr userDrawn="1"/>
+        </p:nvPicPr>
+        <p:blipFill rotWithShape="1">
+          <a:blip r:embed="rId2">
+            <a:alphaModFix amt="30000"/>
+          </a:blip>
+          <a:srcRect t="22329"/>
+          <a:stretch/>
+        </p:blipFill>
+        <p:spPr>
+          <a:xfrm flipH="1" flipV="1">
+            <a:off x="487680" y="0"/>
+            <a:ext cx="11704320" cy="6858000"/>
+          </a:xfrm>
+          <a:prstGeom prst="rect">
+            <a:avLst/>
+          </a:prstGeom>
+        </p:spPr>
+      </p:pic>
       <p:sp>
         <p:nvSpPr>
           <p:cNvPr id="28" name="Espaço Reservado para Data 27"/>
@@ -3756,7 +4166,7 @@
             <a:fld id="{275F0C2A-2D46-4BF1-8C5E-F57D7C710160}" type="datetimeFigureOut">
               <a:rPr lang="pt-BR" smtClean="0"/>
               <a:pPr/>
-              <a:t>13/01/2020</a:t>
+              <a:t>24/05/2021</a:t>
             </a:fld>
             <a:endParaRPr lang="pt-BR"/>
           </a:p>
@@ -4311,7 +4721,7 @@
             <a:fld id="{275F0C2A-2D46-4BF1-8C5E-F57D7C710160}" type="datetimeFigureOut">
               <a:rPr lang="pt-BR" smtClean="0"/>
               <a:pPr/>
-              <a:t>13/01/2020</a:t>
+              <a:t>24/05/2021</a:t>
             </a:fld>
             <a:endParaRPr lang="pt-BR"/>
           </a:p>
@@ -4488,7 +4898,7 @@
             <a:fld id="{275F0C2A-2D46-4BF1-8C5E-F57D7C710160}" type="datetimeFigureOut">
               <a:rPr lang="pt-BR" smtClean="0"/>
               <a:pPr/>
-              <a:t>13/01/2020</a:t>
+              <a:t>24/05/2021</a:t>
             </a:fld>
             <a:endParaRPr lang="pt-BR"/>
           </a:p>
@@ -4655,7 +5065,7 @@
             <a:fld id="{275F0C2A-2D46-4BF1-8C5E-F57D7C710160}" type="datetimeFigureOut">
               <a:rPr lang="pt-BR" smtClean="0"/>
               <a:pPr/>
-              <a:t>13/01/2020</a:t>
+              <a:t>24/05/2021</a:t>
             </a:fld>
             <a:endParaRPr lang="pt-BR"/>
           </a:p>
@@ -6104,7 +6514,7 @@
             <a:fld id="{275F0C2A-2D46-4BF1-8C5E-F57D7C710160}" type="datetimeFigureOut">
               <a:rPr lang="pt-BR" smtClean="0"/>
               <a:pPr/>
-              <a:t>13/01/2020</a:t>
+              <a:t>24/05/2021</a:t>
             </a:fld>
             <a:endParaRPr lang="pt-BR"/>
           </a:p>
@@ -6686,7 +7096,7 @@
             <a:fld id="{275F0C2A-2D46-4BF1-8C5E-F57D7C710160}" type="datetimeFigureOut">
               <a:rPr lang="pt-BR" smtClean="0"/>
               <a:pPr/>
-              <a:t>13/01/2020</a:t>
+              <a:t>24/05/2021</a:t>
             </a:fld>
             <a:endParaRPr lang="pt-BR"/>
           </a:p>
@@ -7117,7 +7527,7 @@
             <a:fld id="{275F0C2A-2D46-4BF1-8C5E-F57D7C710160}" type="datetimeFigureOut">
               <a:rPr lang="pt-BR" smtClean="0"/>
               <a:pPr/>
-              <a:t>13/01/2020</a:t>
+              <a:t>24/05/2021</a:t>
             </a:fld>
             <a:endParaRPr lang="pt-BR"/>
           </a:p>
@@ -7656,7 +8066,7 @@
             <a:fld id="{275F0C2A-2D46-4BF1-8C5E-F57D7C710160}" type="datetimeFigureOut">
               <a:rPr lang="pt-BR" smtClean="0"/>
               <a:pPr/>
-              <a:t>13/01/2020</a:t>
+              <a:t>24/05/2021</a:t>
             </a:fld>
             <a:endParaRPr lang="pt-BR"/>
           </a:p>
@@ -7748,7 +8158,7 @@
             <a:fld id="{275F0C2A-2D46-4BF1-8C5E-F57D7C710160}" type="datetimeFigureOut">
               <a:rPr lang="pt-BR" smtClean="0"/>
               <a:pPr/>
-              <a:t>13/01/2020</a:t>
+              <a:t>24/05/2021</a:t>
             </a:fld>
             <a:endParaRPr lang="pt-BR"/>
           </a:p>
@@ -7998,7 +8408,7 @@
             <a:fld id="{275F0C2A-2D46-4BF1-8C5E-F57D7C710160}" type="datetimeFigureOut">
               <a:rPr lang="pt-BR" smtClean="0"/>
               <a:pPr/>
-              <a:t>13/01/2020</a:t>
+              <a:t>24/05/2021</a:t>
             </a:fld>
             <a:endParaRPr lang="pt-BR"/>
           </a:p>
@@ -8713,7 +9123,7 @@
             <a:fld id="{275F0C2A-2D46-4BF1-8C5E-F57D7C710160}" type="datetimeFigureOut">
               <a:rPr lang="pt-BR" smtClean="0"/>
               <a:pPr/>
-              <a:t>13/01/2020</a:t>
+              <a:t>24/05/2021</a:t>
             </a:fld>
             <a:endParaRPr lang="pt-BR"/>
           </a:p>
@@ -8784,9 +9194,23 @@
 <p:sldMaster xmlns:a="http://schemas.openxmlformats.org/drawingml/2006/main" xmlns:r="http://schemas.openxmlformats.org/officeDocument/2006/relationships" xmlns:p="http://schemas.openxmlformats.org/presentationml/2006/main">
   <p:cSld>
     <p:bg>
-      <p:bgRef idx="1002">
-        <a:schemeClr val="bg2"/>
-      </p:bgRef>
+      <p:bgPr>
+        <a:gradFill rotWithShape="1">
+          <a:gsLst>
+            <a:gs pos="50000">
+              <a:schemeClr val="bg1">
+                <a:shade val="90000"/>
+                <a:satMod val="375000"/>
+              </a:schemeClr>
+            </a:gs>
+            <a:gs pos="100000">
+              <a:srgbClr val="28415E"/>
+            </a:gs>
+          </a:gsLst>
+          <a:lin ang="5400000" scaled="0"/>
+        </a:gradFill>
+        <a:effectLst/>
+      </p:bgPr>
     </p:bg>
     <p:spTree>
       <p:nvGrpSpPr>
@@ -8980,7 +9404,7 @@
             <a:fld id="{275F0C2A-2D46-4BF1-8C5E-F57D7C710160}" type="datetimeFigureOut">
               <a:rPr lang="pt-BR" smtClean="0"/>
               <a:pPr/>
-              <a:t>13/01/2020</a:t>
+              <a:t>24/05/2021</a:t>
             </a:fld>
             <a:endParaRPr lang="pt-BR"/>
           </a:p>
@@ -14995,6 +15419,48 @@
           </a:p>
         </p:txBody>
       </p:sp>
+      <p:sp>
+        <p:nvSpPr>
+          <p:cNvPr id="5" name="CaixaDeTexto 4">
+            <a:extLst>
+              <a:ext uri="{FF2B5EF4-FFF2-40B4-BE49-F238E27FC236}">
+                <a16:creationId xmlns:a16="http://schemas.microsoft.com/office/drawing/2014/main" id="{524F73E6-1757-4723-898E-38D8F5530D2B}"/>
+              </a:ext>
+            </a:extLst>
+          </p:cNvPr>
+          <p:cNvSpPr txBox="1"/>
+          <p:nvPr/>
+        </p:nvSpPr>
+        <p:spPr>
+          <a:xfrm rot="16200000">
+            <a:off x="-714272" y="5774776"/>
+            <a:ext cx="1800200" cy="276999"/>
+          </a:xfrm>
+          <a:prstGeom prst="rect">
+            <a:avLst/>
+          </a:prstGeom>
+          <a:noFill/>
+        </p:spPr>
+        <p:txBody>
+          <a:bodyPr wrap="square" rtlCol="0">
+            <a:spAutoFit/>
+          </a:bodyPr>
+          <a:lstStyle/>
+          <a:p>
+            <a:r>
+              <a:rPr lang="pt-BR" sz="1200" dirty="0">
+                <a:solidFill>
+                  <a:schemeClr val="bg2">
+                    <a:lumMod val="50000"/>
+                  </a:schemeClr>
+                </a:solidFill>
+                <a:latin typeface="+mj-lt"/>
+              </a:rPr>
+              <a:t>// Promocional.cpp</a:t>
+            </a:r>
+          </a:p>
+        </p:txBody>
+      </p:sp>
     </p:spTree>
   </p:cSld>
   <p:clrMapOvr>
@@ -15832,6 +16298,48 @@
                 <a:latin typeface="+mj-lt"/>
               </a:rPr>
               <a:t>}</a:t>
+            </a:r>
+          </a:p>
+        </p:txBody>
+      </p:sp>
+      <p:sp>
+        <p:nvSpPr>
+          <p:cNvPr id="5" name="CaixaDeTexto 4">
+            <a:extLst>
+              <a:ext uri="{FF2B5EF4-FFF2-40B4-BE49-F238E27FC236}">
+                <a16:creationId xmlns:a16="http://schemas.microsoft.com/office/drawing/2014/main" id="{7B8AE834-BC5B-4569-A4EC-5FB58CC00EF0}"/>
+              </a:ext>
+            </a:extLst>
+          </p:cNvPr>
+          <p:cNvSpPr txBox="1"/>
+          <p:nvPr/>
+        </p:nvSpPr>
+        <p:spPr>
+          <a:xfrm rot="16200000">
+            <a:off x="-714272" y="5774776"/>
+            <a:ext cx="1800200" cy="276999"/>
+          </a:xfrm>
+          <a:prstGeom prst="rect">
+            <a:avLst/>
+          </a:prstGeom>
+          <a:noFill/>
+        </p:spPr>
+        <p:txBody>
+          <a:bodyPr wrap="square" rtlCol="0">
+            <a:spAutoFit/>
+          </a:bodyPr>
+          <a:lstStyle/>
+          <a:p>
+            <a:r>
+              <a:rPr lang="pt-BR" sz="1200" dirty="0">
+                <a:solidFill>
+                  <a:schemeClr val="bg2">
+                    <a:lumMod val="50000"/>
+                  </a:schemeClr>
+                </a:solidFill>
+                <a:latin typeface="+mj-lt"/>
+              </a:rPr>
+              <a:t>// Promocional.cpp</a:t>
             </a:r>
           </a:p>
         </p:txBody>
@@ -15953,6 +16461,12 @@
             </a:r>
             <a:r>
               <a:rPr lang="pt-BR" sz="1400" b="1" dirty="0">
+                <a:solidFill>
+                  <a:schemeClr val="accent3">
+                    <a:lumMod val="60000"/>
+                    <a:lumOff val="40000"/>
+                  </a:schemeClr>
+                </a:solidFill>
                 <a:latin typeface="+mj-lt"/>
               </a:rPr>
               <a:t>Mustang GT</a:t>
@@ -15967,6 +16481,12 @@
             </a:r>
             <a:r>
               <a:rPr lang="pt-BR" sz="1400" b="1" dirty="0">
+                <a:solidFill>
+                  <a:schemeClr val="accent3">
+                    <a:lumMod val="60000"/>
+                    <a:lumOff val="40000"/>
+                  </a:schemeClr>
+                </a:solidFill>
                 <a:latin typeface="+mj-lt"/>
               </a:rPr>
               <a:t>2019</a:t>
@@ -15981,6 +16501,12 @@
             </a:r>
             <a:r>
               <a:rPr lang="pt-BR" sz="1400" b="1" dirty="0">
+                <a:solidFill>
+                  <a:schemeClr val="accent3">
+                    <a:lumMod val="60000"/>
+                    <a:lumOff val="40000"/>
+                  </a:schemeClr>
+                </a:solidFill>
                 <a:latin typeface="+mj-lt"/>
               </a:rPr>
               <a:t>300000</a:t>
@@ -21082,27 +21608,28 @@
             </a:r>
             <a:r>
               <a:rPr lang="pt-BR" dirty="0"/>
-              <a:t>caso o arquivo utilizado seja um arquivo de acesso restrito</a:t>
-            </a:r>
-          </a:p>
-          <a:p>
-            <a:pPr marL="454914" lvl="1" indent="0">
-              <a:buNone/>
-            </a:pPr>
-            <a:r>
-              <a:rPr lang="pt-BR" dirty="0">
-                <a:solidFill>
-                  <a:schemeClr val="accent3">
-                    <a:lumMod val="60000"/>
-                    <a:lumOff val="40000"/>
-                  </a:schemeClr>
-                </a:solidFill>
-              </a:rPr>
-              <a:t>Ex.: </a:t>
-            </a:r>
-            <a:r>
+              <a:t>caso o arquivo </a:t>
+            </a:r>
+            <a:br>
               <a:rPr lang="pt-BR" dirty="0"/>
-              <a:t>um arquivo já aberto em outro programa ou protegido pelo S.O.</a:t>
+            </a:br>
+            <a:r>
+              <a:rPr lang="pt-BR" dirty="0"/>
+              <a:t>utilizado seja um arquivo de acesso restrito</a:t>
+            </a:r>
+          </a:p>
+          <a:p>
+            <a:pPr lvl="1"/>
+            <a:r>
+              <a:rPr lang="pt-BR" dirty="0"/>
+              <a:t>Um arquivo já aberto em outro programa</a:t>
+            </a:r>
+          </a:p>
+          <a:p>
+            <a:pPr lvl="1"/>
+            <a:r>
+              <a:rPr lang="pt-BR" dirty="0"/>
+              <a:t>Um arquivo protegido pelo S.O.</a:t>
             </a:r>
           </a:p>
         </p:txBody>
@@ -29839,10 +30366,15 @@
         <p:spPr/>
         <p:txBody>
           <a:bodyPr>
-            <a:normAutofit lnSpcReduction="10000"/>
+            <a:normAutofit/>
           </a:bodyPr>
           <a:lstStyle/>
           <a:p>
+            <a:pPr>
+              <a:spcAft>
+                <a:spcPts val="1800"/>
+              </a:spcAft>
+            </a:pPr>
             <a:r>
               <a:rPr lang="pt-BR" dirty="0"/>
               <a:t>Em resumo, </a:t>
@@ -29880,7 +30412,14 @@
             </a:r>
             <a:r>
               <a:rPr lang="pt-BR" dirty="0"/>
-              <a:t> se assemelha muito ao buffer do teclado, isto é, ele é composto por uma seqüência  de caracteres</a:t>
+              <a:t> se assemelha muito ao buffer do teclado, </a:t>
+            </a:r>
+            <a:br>
+              <a:rPr lang="pt-BR" dirty="0"/>
+            </a:br>
+            <a:r>
+              <a:rPr lang="pt-BR" dirty="0"/>
+              <a:t>isto é, ele é composto por uma seqüência  de caracteres</a:t>
             </a:r>
           </a:p>
           <a:p>
@@ -29913,654 +30452,676 @@
             </a:r>
             <a:r>
               <a:rPr lang="pt-BR" dirty="0"/>
-              <a:t>armazena mais que texto:</a:t>
-            </a:r>
-          </a:p>
-          <a:p>
-            <a:pPr marL="768096" lvl="2" indent="0">
-              <a:buNone/>
-            </a:pPr>
-            <a:r>
-              <a:rPr lang="pt-BR" dirty="0"/>
-              <a:t>Editores de texto e planilhas armazenam dados em formato numérico, formatação, fontes, imagens, tabelas, etc.</a:t>
+              <a:t>armazena mais que texto</a:t>
             </a:r>
           </a:p>
         </p:txBody>
       </p:sp>
-      <p:sp>
-        <p:nvSpPr>
-          <p:cNvPr id="4" name="Retângulo 3"/>
-          <p:cNvSpPr/>
+      <p:grpSp>
+        <p:nvGrpSpPr>
+          <p:cNvPr id="17" name="Agrupar 16">
+            <a:extLst>
+              <a:ext uri="{FF2B5EF4-FFF2-40B4-BE49-F238E27FC236}">
+                <a16:creationId xmlns:a16="http://schemas.microsoft.com/office/drawing/2014/main" id="{6D2943D7-497D-4082-A83D-C45785406EBA}"/>
+              </a:ext>
+            </a:extLst>
+          </p:cNvPr>
+          <p:cNvGrpSpPr/>
           <p:nvPr/>
-        </p:nvSpPr>
-        <p:spPr>
+        </p:nvGrpSpPr>
+        <p:grpSpPr>
           <a:xfrm>
-            <a:off x="2063552" y="3717032"/>
+            <a:off x="2063552" y="4149080"/>
             <a:ext cx="6715172" cy="785818"/>
+            <a:chOff x="2063552" y="3717032"/>
+            <a:chExt cx="6715172" cy="785818"/>
           </a:xfrm>
-          <a:prstGeom prst="rect">
-            <a:avLst/>
-          </a:prstGeom>
-          <a:solidFill>
-            <a:schemeClr val="accent3">
-              <a:lumMod val="75000"/>
-            </a:schemeClr>
-          </a:solidFill>
-          <a:ln>
+        </p:grpSpPr>
+        <p:sp>
+          <p:nvSpPr>
+            <p:cNvPr id="4" name="Retângulo 3"/>
+            <p:cNvSpPr/>
+            <p:nvPr/>
+          </p:nvSpPr>
+          <p:spPr>
+            <a:xfrm>
+              <a:off x="2063552" y="3717032"/>
+              <a:ext cx="6715172" cy="785818"/>
+            </a:xfrm>
+            <a:prstGeom prst="rect">
+              <a:avLst/>
+            </a:prstGeom>
+            <a:solidFill>
+              <a:schemeClr val="accent3">
+                <a:lumMod val="75000"/>
+              </a:schemeClr>
+            </a:solidFill>
+            <a:ln>
+              <a:noFill/>
+            </a:ln>
+            <a:effectLst/>
+            <a:scene3d>
+              <a:camera prst="orthographicFront">
+                <a:rot lat="0" lon="0" rev="0"/>
+              </a:camera>
+              <a:lightRig rig="chilly" dir="t">
+                <a:rot lat="0" lon="0" rev="18480000"/>
+              </a:lightRig>
+            </a:scene3d>
+            <a:sp3d prstMaterial="clear">
+              <a:bevelT h="63500"/>
+            </a:sp3d>
+          </p:spPr>
+          <p:style>
+            <a:lnRef idx="2">
+              <a:schemeClr val="accent1">
+                <a:shade val="50000"/>
+              </a:schemeClr>
+            </a:lnRef>
+            <a:fillRef idx="1">
+              <a:schemeClr val="accent1"/>
+            </a:fillRef>
+            <a:effectRef idx="0">
+              <a:schemeClr val="accent1"/>
+            </a:effectRef>
+            <a:fontRef idx="minor">
+              <a:schemeClr val="lt1"/>
+            </a:fontRef>
+          </p:style>
+          <p:txBody>
+            <a:bodyPr rtlCol="0" anchor="ctr"/>
+            <a:lstStyle/>
+            <a:p>
+              <a:pPr algn="ctr"/>
+              <a:endParaRPr lang="pt-BR"/>
+            </a:p>
+          </p:txBody>
+        </p:sp>
+        <p:sp>
+          <p:nvSpPr>
+            <p:cNvPr id="5" name="Retângulo 4"/>
+            <p:cNvSpPr/>
+            <p:nvPr/>
+          </p:nvSpPr>
+          <p:spPr>
+            <a:xfrm>
+              <a:off x="2206428" y="3859908"/>
+              <a:ext cx="642942" cy="214314"/>
+            </a:xfrm>
+            <a:prstGeom prst="rect">
+              <a:avLst/>
+            </a:prstGeom>
+            <a:solidFill>
+              <a:schemeClr val="accent3">
+                <a:lumMod val="75000"/>
+              </a:schemeClr>
+            </a:solidFill>
+            <a:ln>
+              <a:solidFill>
+                <a:schemeClr val="tx1"/>
+              </a:solidFill>
+            </a:ln>
+          </p:spPr>
+          <p:style>
+            <a:lnRef idx="2">
+              <a:schemeClr val="accent1">
+                <a:shade val="50000"/>
+              </a:schemeClr>
+            </a:lnRef>
+            <a:fillRef idx="1">
+              <a:schemeClr val="accent1"/>
+            </a:fillRef>
+            <a:effectRef idx="0">
+              <a:schemeClr val="accent1"/>
+            </a:effectRef>
+            <a:fontRef idx="minor">
+              <a:schemeClr val="lt1"/>
+            </a:fontRef>
+          </p:style>
+          <p:txBody>
+            <a:bodyPr rtlCol="0" anchor="ctr"/>
+            <a:lstStyle/>
+            <a:p>
+              <a:pPr algn="ctr"/>
+              <a:r>
+                <a:rPr lang="pt-BR" sz="800" dirty="0">
+                  <a:latin typeface="+mj-lt"/>
+                </a:rPr>
+                <a:t>00110011</a:t>
+              </a:r>
+            </a:p>
+          </p:txBody>
+        </p:sp>
+        <p:sp>
+          <p:nvSpPr>
+            <p:cNvPr id="6" name="Retângulo 5"/>
+            <p:cNvSpPr/>
+            <p:nvPr/>
+          </p:nvSpPr>
+          <p:spPr>
+            <a:xfrm>
+              <a:off x="2849370" y="3859908"/>
+              <a:ext cx="642942" cy="214314"/>
+            </a:xfrm>
+            <a:prstGeom prst="rect">
+              <a:avLst/>
+            </a:prstGeom>
+            <a:solidFill>
+              <a:schemeClr val="accent3">
+                <a:lumMod val="75000"/>
+              </a:schemeClr>
+            </a:solidFill>
+            <a:ln>
+              <a:solidFill>
+                <a:schemeClr val="tx1"/>
+              </a:solidFill>
+            </a:ln>
+          </p:spPr>
+          <p:style>
+            <a:lnRef idx="2">
+              <a:schemeClr val="accent1">
+                <a:shade val="50000"/>
+              </a:schemeClr>
+            </a:lnRef>
+            <a:fillRef idx="1">
+              <a:schemeClr val="accent1"/>
+            </a:fillRef>
+            <a:effectRef idx="0">
+              <a:schemeClr val="accent1"/>
+            </a:effectRef>
+            <a:fontRef idx="minor">
+              <a:schemeClr val="lt1"/>
+            </a:fontRef>
+          </p:style>
+          <p:txBody>
+            <a:bodyPr rtlCol="0" anchor="ctr"/>
+            <a:lstStyle/>
+            <a:p>
+              <a:pPr algn="ctr"/>
+              <a:r>
+                <a:rPr lang="pt-BR" sz="800" dirty="0">
+                  <a:latin typeface="+mj-lt"/>
+                </a:rPr>
+                <a:t>00111000</a:t>
+              </a:r>
+            </a:p>
+          </p:txBody>
+        </p:sp>
+        <p:sp>
+          <p:nvSpPr>
+            <p:cNvPr id="7" name="Retângulo 6"/>
+            <p:cNvSpPr/>
+            <p:nvPr/>
+          </p:nvSpPr>
+          <p:spPr>
+            <a:xfrm>
+              <a:off x="3492312" y="3859908"/>
+              <a:ext cx="642942" cy="214314"/>
+            </a:xfrm>
+            <a:prstGeom prst="rect">
+              <a:avLst/>
+            </a:prstGeom>
+            <a:solidFill>
+              <a:schemeClr val="accent3">
+                <a:lumMod val="75000"/>
+              </a:schemeClr>
+            </a:solidFill>
+            <a:ln>
+              <a:solidFill>
+                <a:schemeClr val="tx1"/>
+              </a:solidFill>
+            </a:ln>
+          </p:spPr>
+          <p:style>
+            <a:lnRef idx="2">
+              <a:schemeClr val="accent1">
+                <a:shade val="50000"/>
+              </a:schemeClr>
+            </a:lnRef>
+            <a:fillRef idx="1">
+              <a:schemeClr val="accent1"/>
+            </a:fillRef>
+            <a:effectRef idx="0">
+              <a:schemeClr val="accent1"/>
+            </a:effectRef>
+            <a:fontRef idx="minor">
+              <a:schemeClr val="lt1"/>
+            </a:fontRef>
+          </p:style>
+          <p:txBody>
+            <a:bodyPr rtlCol="0" anchor="ctr"/>
+            <a:lstStyle/>
+            <a:p>
+              <a:pPr algn="ctr"/>
+              <a:r>
+                <a:rPr lang="pt-BR" sz="800" dirty="0">
+                  <a:latin typeface="+mj-lt"/>
+                </a:rPr>
+                <a:t>00101110</a:t>
+              </a:r>
+            </a:p>
+          </p:txBody>
+        </p:sp>
+        <p:sp>
+          <p:nvSpPr>
+            <p:cNvPr id="8" name="Retângulo 7"/>
+            <p:cNvSpPr/>
+            <p:nvPr/>
+          </p:nvSpPr>
+          <p:spPr>
+            <a:xfrm>
+              <a:off x="4135254" y="3859908"/>
+              <a:ext cx="642942" cy="214314"/>
+            </a:xfrm>
+            <a:prstGeom prst="rect">
+              <a:avLst/>
+            </a:prstGeom>
+            <a:solidFill>
+              <a:schemeClr val="accent3">
+                <a:lumMod val="75000"/>
+              </a:schemeClr>
+            </a:solidFill>
+            <a:ln>
+              <a:solidFill>
+                <a:schemeClr val="tx1"/>
+              </a:solidFill>
+            </a:ln>
+          </p:spPr>
+          <p:style>
+            <a:lnRef idx="2">
+              <a:schemeClr val="accent1">
+                <a:shade val="50000"/>
+              </a:schemeClr>
+            </a:lnRef>
+            <a:fillRef idx="1">
+              <a:schemeClr val="accent1"/>
+            </a:fillRef>
+            <a:effectRef idx="0">
+              <a:schemeClr val="accent1"/>
+            </a:effectRef>
+            <a:fontRef idx="minor">
+              <a:schemeClr val="lt1"/>
+            </a:fontRef>
+          </p:style>
+          <p:txBody>
+            <a:bodyPr rtlCol="0" anchor="ctr"/>
+            <a:lstStyle/>
+            <a:p>
+              <a:pPr algn="ctr"/>
+              <a:r>
+                <a:rPr lang="pt-BR" sz="800" dirty="0">
+                  <a:latin typeface="+mj-lt"/>
+                </a:rPr>
+                <a:t>00110101</a:t>
+              </a:r>
+            </a:p>
+          </p:txBody>
+        </p:sp>
+        <p:sp>
+          <p:nvSpPr>
+            <p:cNvPr id="9" name="Retângulo 8"/>
+            <p:cNvSpPr/>
+            <p:nvPr/>
+          </p:nvSpPr>
+          <p:spPr>
+            <a:xfrm>
+              <a:off x="4778196" y="3859908"/>
+              <a:ext cx="642942" cy="214314"/>
+            </a:xfrm>
+            <a:prstGeom prst="rect">
+              <a:avLst/>
+            </a:prstGeom>
+            <a:solidFill>
+              <a:schemeClr val="accent3">
+                <a:lumMod val="75000"/>
+              </a:schemeClr>
+            </a:solidFill>
+            <a:ln>
+              <a:solidFill>
+                <a:schemeClr val="tx1"/>
+              </a:solidFill>
+            </a:ln>
+          </p:spPr>
+          <p:style>
+            <a:lnRef idx="2">
+              <a:schemeClr val="accent1">
+                <a:shade val="50000"/>
+              </a:schemeClr>
+            </a:lnRef>
+            <a:fillRef idx="1">
+              <a:schemeClr val="accent1"/>
+            </a:fillRef>
+            <a:effectRef idx="0">
+              <a:schemeClr val="accent1"/>
+            </a:effectRef>
+            <a:fontRef idx="minor">
+              <a:schemeClr val="lt1"/>
+            </a:fontRef>
+          </p:style>
+          <p:txBody>
+            <a:bodyPr rtlCol="0" anchor="ctr"/>
+            <a:lstStyle/>
+            <a:p>
+              <a:pPr algn="ctr"/>
+              <a:r>
+                <a:rPr lang="pt-BR" sz="800" dirty="0">
+                  <a:latin typeface="+mj-lt"/>
+                </a:rPr>
+                <a:t>00100000</a:t>
+              </a:r>
+            </a:p>
+          </p:txBody>
+        </p:sp>
+        <p:sp>
+          <p:nvSpPr>
+            <p:cNvPr id="10" name="Retângulo 9"/>
+            <p:cNvSpPr/>
+            <p:nvPr/>
+          </p:nvSpPr>
+          <p:spPr>
+            <a:xfrm>
+              <a:off x="5421138" y="3859908"/>
+              <a:ext cx="642942" cy="214314"/>
+            </a:xfrm>
+            <a:prstGeom prst="rect">
+              <a:avLst/>
+            </a:prstGeom>
+            <a:solidFill>
+              <a:schemeClr val="accent3">
+                <a:lumMod val="75000"/>
+              </a:schemeClr>
+            </a:solidFill>
+            <a:ln>
+              <a:solidFill>
+                <a:schemeClr val="tx1"/>
+              </a:solidFill>
+            </a:ln>
+          </p:spPr>
+          <p:style>
+            <a:lnRef idx="2">
+              <a:schemeClr val="accent1">
+                <a:shade val="50000"/>
+              </a:schemeClr>
+            </a:lnRef>
+            <a:fillRef idx="1">
+              <a:schemeClr val="accent1"/>
+            </a:fillRef>
+            <a:effectRef idx="0">
+              <a:schemeClr val="accent1"/>
+            </a:effectRef>
+            <a:fontRef idx="minor">
+              <a:schemeClr val="lt1"/>
+            </a:fontRef>
+          </p:style>
+          <p:txBody>
+            <a:bodyPr rtlCol="0" anchor="ctr"/>
+            <a:lstStyle/>
+            <a:p>
+              <a:pPr algn="ctr"/>
+              <a:r>
+                <a:rPr lang="pt-BR" sz="800" dirty="0">
+                  <a:latin typeface="+mj-lt"/>
+                </a:rPr>
+                <a:t>00110001</a:t>
+              </a:r>
+            </a:p>
+          </p:txBody>
+        </p:sp>
+        <p:sp>
+          <p:nvSpPr>
+            <p:cNvPr id="11" name="Retângulo 10"/>
+            <p:cNvSpPr/>
+            <p:nvPr/>
+          </p:nvSpPr>
+          <p:spPr>
+            <a:xfrm>
+              <a:off x="6064080" y="3859908"/>
+              <a:ext cx="642942" cy="214314"/>
+            </a:xfrm>
+            <a:prstGeom prst="rect">
+              <a:avLst/>
+            </a:prstGeom>
+            <a:solidFill>
+              <a:schemeClr val="accent3">
+                <a:lumMod val="75000"/>
+              </a:schemeClr>
+            </a:solidFill>
+            <a:ln>
+              <a:solidFill>
+                <a:schemeClr val="tx1"/>
+              </a:solidFill>
+            </a:ln>
+          </p:spPr>
+          <p:style>
+            <a:lnRef idx="2">
+              <a:schemeClr val="accent1">
+                <a:shade val="50000"/>
+              </a:schemeClr>
+            </a:lnRef>
+            <a:fillRef idx="1">
+              <a:schemeClr val="accent1"/>
+            </a:fillRef>
+            <a:effectRef idx="0">
+              <a:schemeClr val="accent1"/>
+            </a:effectRef>
+            <a:fontRef idx="minor">
+              <a:schemeClr val="lt1"/>
+            </a:fontRef>
+          </p:style>
+          <p:txBody>
+            <a:bodyPr rtlCol="0" anchor="ctr"/>
+            <a:lstStyle/>
+            <a:p>
+              <a:pPr algn="ctr"/>
+              <a:r>
+                <a:rPr lang="pt-BR" sz="800" dirty="0">
+                  <a:latin typeface="+mj-lt"/>
+                </a:rPr>
+                <a:t>00111001</a:t>
+              </a:r>
+            </a:p>
+          </p:txBody>
+        </p:sp>
+        <p:sp>
+          <p:nvSpPr>
+            <p:cNvPr id="12" name="Retângulo 11"/>
+            <p:cNvSpPr/>
+            <p:nvPr/>
+          </p:nvSpPr>
+          <p:spPr>
+            <a:xfrm>
+              <a:off x="6707022" y="3859908"/>
+              <a:ext cx="642942" cy="214314"/>
+            </a:xfrm>
+            <a:prstGeom prst="rect">
+              <a:avLst/>
+            </a:prstGeom>
+            <a:solidFill>
+              <a:schemeClr val="accent3">
+                <a:lumMod val="75000"/>
+              </a:schemeClr>
+            </a:solidFill>
+            <a:ln>
+              <a:solidFill>
+                <a:schemeClr val="tx1"/>
+              </a:solidFill>
+            </a:ln>
+          </p:spPr>
+          <p:style>
+            <a:lnRef idx="2">
+              <a:schemeClr val="accent1">
+                <a:shade val="50000"/>
+              </a:schemeClr>
+            </a:lnRef>
+            <a:fillRef idx="1">
+              <a:schemeClr val="accent1"/>
+            </a:fillRef>
+            <a:effectRef idx="0">
+              <a:schemeClr val="accent1"/>
+            </a:effectRef>
+            <a:fontRef idx="minor">
+              <a:schemeClr val="lt1"/>
+            </a:fontRef>
+          </p:style>
+          <p:txBody>
+            <a:bodyPr rtlCol="0" anchor="ctr"/>
+            <a:lstStyle/>
+            <a:p>
+              <a:pPr algn="ctr"/>
+              <a:r>
+                <a:rPr lang="pt-BR" sz="800" dirty="0">
+                  <a:latin typeface="+mj-lt"/>
+                </a:rPr>
+                <a:t>00101110</a:t>
+              </a:r>
+            </a:p>
+          </p:txBody>
+        </p:sp>
+        <p:sp>
+          <p:nvSpPr>
+            <p:cNvPr id="13" name="Retângulo 12"/>
+            <p:cNvSpPr/>
+            <p:nvPr/>
+          </p:nvSpPr>
+          <p:spPr>
+            <a:xfrm>
+              <a:off x="7349964" y="3859908"/>
+              <a:ext cx="642942" cy="214314"/>
+            </a:xfrm>
+            <a:prstGeom prst="rect">
+              <a:avLst/>
+            </a:prstGeom>
+            <a:solidFill>
+              <a:schemeClr val="accent3">
+                <a:lumMod val="75000"/>
+              </a:schemeClr>
+            </a:solidFill>
+            <a:ln>
+              <a:solidFill>
+                <a:schemeClr val="tx1"/>
+              </a:solidFill>
+            </a:ln>
+          </p:spPr>
+          <p:style>
+            <a:lnRef idx="2">
+              <a:schemeClr val="accent1">
+                <a:shade val="50000"/>
+              </a:schemeClr>
+            </a:lnRef>
+            <a:fillRef idx="1">
+              <a:schemeClr val="accent1"/>
+            </a:fillRef>
+            <a:effectRef idx="0">
+              <a:schemeClr val="accent1"/>
+            </a:effectRef>
+            <a:fontRef idx="minor">
+              <a:schemeClr val="lt1"/>
+            </a:fontRef>
+          </p:style>
+          <p:txBody>
+            <a:bodyPr rtlCol="0" anchor="ctr"/>
+            <a:lstStyle/>
+            <a:p>
+              <a:pPr algn="ctr"/>
+              <a:r>
+                <a:rPr lang="pt-BR" sz="800" dirty="0">
+                  <a:latin typeface="+mj-lt"/>
+                </a:rPr>
+                <a:t>00110010</a:t>
+              </a:r>
+            </a:p>
+          </p:txBody>
+        </p:sp>
+        <p:sp>
+          <p:nvSpPr>
+            <p:cNvPr id="14" name="Retângulo 13"/>
+            <p:cNvSpPr/>
+            <p:nvPr/>
+          </p:nvSpPr>
+          <p:spPr>
+            <a:xfrm>
+              <a:off x="7992906" y="3859908"/>
+              <a:ext cx="642942" cy="214314"/>
+            </a:xfrm>
+            <a:prstGeom prst="rect">
+              <a:avLst/>
+            </a:prstGeom>
+            <a:solidFill>
+              <a:schemeClr val="accent3">
+                <a:lumMod val="75000"/>
+              </a:schemeClr>
+            </a:solidFill>
+            <a:ln>
+              <a:solidFill>
+                <a:schemeClr val="tx1"/>
+              </a:solidFill>
+            </a:ln>
+          </p:spPr>
+          <p:style>
+            <a:lnRef idx="2">
+              <a:schemeClr val="accent1">
+                <a:shade val="50000"/>
+              </a:schemeClr>
+            </a:lnRef>
+            <a:fillRef idx="1">
+              <a:schemeClr val="accent1"/>
+            </a:fillRef>
+            <a:effectRef idx="0">
+              <a:schemeClr val="accent1"/>
+            </a:effectRef>
+            <a:fontRef idx="minor">
+              <a:schemeClr val="lt1"/>
+            </a:fontRef>
+          </p:style>
+          <p:txBody>
+            <a:bodyPr rtlCol="0" anchor="ctr"/>
+            <a:lstStyle/>
+            <a:p>
+              <a:pPr algn="ctr"/>
+              <a:r>
+                <a:rPr lang="pt-BR" sz="800" dirty="0">
+                  <a:latin typeface="+mj-lt"/>
+                </a:rPr>
+                <a:t>00001101</a:t>
+              </a:r>
+            </a:p>
+          </p:txBody>
+        </p:sp>
+        <p:sp>
+          <p:nvSpPr>
+            <p:cNvPr id="15" name="CaixaDeTexto 14"/>
+            <p:cNvSpPr txBox="1"/>
+            <p:nvPr/>
+          </p:nvSpPr>
+          <p:spPr>
+            <a:xfrm>
+              <a:off x="2206428" y="4145661"/>
+              <a:ext cx="6429420" cy="307777"/>
+            </a:xfrm>
+            <a:prstGeom prst="rect">
+              <a:avLst/>
+            </a:prstGeom>
             <a:noFill/>
-          </a:ln>
-          <a:effectLst/>
-          <a:scene3d>
-            <a:camera prst="orthographicFront">
-              <a:rot lat="0" lon="0" rev="0"/>
-            </a:camera>
-            <a:lightRig rig="chilly" dir="t">
-              <a:rot lat="0" lon="0" rev="18480000"/>
-            </a:lightRig>
-          </a:scene3d>
-          <a:sp3d prstMaterial="clear">
-            <a:bevelT h="63500"/>
-          </a:sp3d>
-        </p:spPr>
-        <p:style>
-          <a:lnRef idx="2">
-            <a:schemeClr val="accent1">
-              <a:shade val="50000"/>
-            </a:schemeClr>
-          </a:lnRef>
-          <a:fillRef idx="1">
-            <a:schemeClr val="accent1"/>
-          </a:fillRef>
-          <a:effectRef idx="0">
-            <a:schemeClr val="accent1"/>
-          </a:effectRef>
-          <a:fontRef idx="minor">
-            <a:schemeClr val="lt1"/>
-          </a:fontRef>
-        </p:style>
-        <p:txBody>
-          <a:bodyPr rtlCol="0" anchor="ctr"/>
-          <a:lstStyle/>
-          <a:p>
-            <a:pPr algn="ctr"/>
-            <a:endParaRPr lang="pt-BR"/>
-          </a:p>
-        </p:txBody>
-      </p:sp>
-      <p:sp>
-        <p:nvSpPr>
-          <p:cNvPr id="5" name="Retângulo 4"/>
-          <p:cNvSpPr/>
-          <p:nvPr/>
-        </p:nvSpPr>
-        <p:spPr>
-          <a:xfrm>
-            <a:off x="2206428" y="3859908"/>
-            <a:ext cx="642942" cy="214314"/>
-          </a:xfrm>
-          <a:prstGeom prst="rect">
-            <a:avLst/>
-          </a:prstGeom>
-          <a:solidFill>
-            <a:schemeClr val="accent3">
-              <a:lumMod val="75000"/>
-            </a:schemeClr>
-          </a:solidFill>
-          <a:ln>
-            <a:solidFill>
-              <a:schemeClr val="tx1"/>
-            </a:solidFill>
-          </a:ln>
-        </p:spPr>
-        <p:style>
-          <a:lnRef idx="2">
-            <a:schemeClr val="accent1">
-              <a:shade val="50000"/>
-            </a:schemeClr>
-          </a:lnRef>
-          <a:fillRef idx="1">
-            <a:schemeClr val="accent1"/>
-          </a:fillRef>
-          <a:effectRef idx="0">
-            <a:schemeClr val="accent1"/>
-          </a:effectRef>
-          <a:fontRef idx="minor">
-            <a:schemeClr val="lt1"/>
-          </a:fontRef>
-        </p:style>
-        <p:txBody>
-          <a:bodyPr rtlCol="0" anchor="ctr"/>
-          <a:lstStyle/>
-          <a:p>
-            <a:pPr algn="ctr"/>
-            <a:r>
-              <a:rPr lang="pt-BR" sz="800" dirty="0">
-                <a:latin typeface="+mj-lt"/>
-              </a:rPr>
-              <a:t>00110011</a:t>
-            </a:r>
-          </a:p>
-        </p:txBody>
-      </p:sp>
-      <p:sp>
-        <p:nvSpPr>
-          <p:cNvPr id="6" name="Retângulo 5"/>
-          <p:cNvSpPr/>
-          <p:nvPr/>
-        </p:nvSpPr>
-        <p:spPr>
-          <a:xfrm>
-            <a:off x="2849370" y="3859908"/>
-            <a:ext cx="642942" cy="214314"/>
-          </a:xfrm>
-          <a:prstGeom prst="rect">
-            <a:avLst/>
-          </a:prstGeom>
-          <a:solidFill>
-            <a:schemeClr val="accent3">
-              <a:lumMod val="75000"/>
-            </a:schemeClr>
-          </a:solidFill>
-          <a:ln>
-            <a:solidFill>
-              <a:schemeClr val="tx1"/>
-            </a:solidFill>
-          </a:ln>
-        </p:spPr>
-        <p:style>
-          <a:lnRef idx="2">
-            <a:schemeClr val="accent1">
-              <a:shade val="50000"/>
-            </a:schemeClr>
-          </a:lnRef>
-          <a:fillRef idx="1">
-            <a:schemeClr val="accent1"/>
-          </a:fillRef>
-          <a:effectRef idx="0">
-            <a:schemeClr val="accent1"/>
-          </a:effectRef>
-          <a:fontRef idx="minor">
-            <a:schemeClr val="lt1"/>
-          </a:fontRef>
-        </p:style>
-        <p:txBody>
-          <a:bodyPr rtlCol="0" anchor="ctr"/>
-          <a:lstStyle/>
-          <a:p>
-            <a:pPr algn="ctr"/>
-            <a:r>
-              <a:rPr lang="pt-BR" sz="800" dirty="0">
-                <a:latin typeface="+mj-lt"/>
-              </a:rPr>
-              <a:t>00111000</a:t>
-            </a:r>
-          </a:p>
-        </p:txBody>
-      </p:sp>
-      <p:sp>
-        <p:nvSpPr>
-          <p:cNvPr id="7" name="Retângulo 6"/>
-          <p:cNvSpPr/>
-          <p:nvPr/>
-        </p:nvSpPr>
-        <p:spPr>
-          <a:xfrm>
-            <a:off x="3492312" y="3859908"/>
-            <a:ext cx="642942" cy="214314"/>
-          </a:xfrm>
-          <a:prstGeom prst="rect">
-            <a:avLst/>
-          </a:prstGeom>
-          <a:solidFill>
-            <a:schemeClr val="accent3">
-              <a:lumMod val="75000"/>
-            </a:schemeClr>
-          </a:solidFill>
-          <a:ln>
-            <a:solidFill>
-              <a:schemeClr val="tx1"/>
-            </a:solidFill>
-          </a:ln>
-        </p:spPr>
-        <p:style>
-          <a:lnRef idx="2">
-            <a:schemeClr val="accent1">
-              <a:shade val="50000"/>
-            </a:schemeClr>
-          </a:lnRef>
-          <a:fillRef idx="1">
-            <a:schemeClr val="accent1"/>
-          </a:fillRef>
-          <a:effectRef idx="0">
-            <a:schemeClr val="accent1"/>
-          </a:effectRef>
-          <a:fontRef idx="minor">
-            <a:schemeClr val="lt1"/>
-          </a:fontRef>
-        </p:style>
-        <p:txBody>
-          <a:bodyPr rtlCol="0" anchor="ctr"/>
-          <a:lstStyle/>
-          <a:p>
-            <a:pPr algn="ctr"/>
-            <a:r>
-              <a:rPr lang="pt-BR" sz="800" dirty="0">
-                <a:latin typeface="+mj-lt"/>
-              </a:rPr>
-              <a:t>00101110</a:t>
-            </a:r>
-          </a:p>
-        </p:txBody>
-      </p:sp>
-      <p:sp>
-        <p:nvSpPr>
-          <p:cNvPr id="8" name="Retângulo 7"/>
-          <p:cNvSpPr/>
-          <p:nvPr/>
-        </p:nvSpPr>
-        <p:spPr>
-          <a:xfrm>
-            <a:off x="4135254" y="3859908"/>
-            <a:ext cx="642942" cy="214314"/>
-          </a:xfrm>
-          <a:prstGeom prst="rect">
-            <a:avLst/>
-          </a:prstGeom>
-          <a:solidFill>
-            <a:schemeClr val="accent3">
-              <a:lumMod val="75000"/>
-            </a:schemeClr>
-          </a:solidFill>
-          <a:ln>
-            <a:solidFill>
-              <a:schemeClr val="tx1"/>
-            </a:solidFill>
-          </a:ln>
-        </p:spPr>
-        <p:style>
-          <a:lnRef idx="2">
-            <a:schemeClr val="accent1">
-              <a:shade val="50000"/>
-            </a:schemeClr>
-          </a:lnRef>
-          <a:fillRef idx="1">
-            <a:schemeClr val="accent1"/>
-          </a:fillRef>
-          <a:effectRef idx="0">
-            <a:schemeClr val="accent1"/>
-          </a:effectRef>
-          <a:fontRef idx="minor">
-            <a:schemeClr val="lt1"/>
-          </a:fontRef>
-        </p:style>
-        <p:txBody>
-          <a:bodyPr rtlCol="0" anchor="ctr"/>
-          <a:lstStyle/>
-          <a:p>
-            <a:pPr algn="ctr"/>
-            <a:r>
-              <a:rPr lang="pt-BR" sz="800" dirty="0">
-                <a:latin typeface="+mj-lt"/>
-              </a:rPr>
-              <a:t>00110101</a:t>
-            </a:r>
-          </a:p>
-        </p:txBody>
-      </p:sp>
-      <p:sp>
-        <p:nvSpPr>
-          <p:cNvPr id="9" name="Retângulo 8"/>
-          <p:cNvSpPr/>
-          <p:nvPr/>
-        </p:nvSpPr>
-        <p:spPr>
-          <a:xfrm>
-            <a:off x="4778196" y="3859908"/>
-            <a:ext cx="642942" cy="214314"/>
-          </a:xfrm>
-          <a:prstGeom prst="rect">
-            <a:avLst/>
-          </a:prstGeom>
-          <a:solidFill>
-            <a:schemeClr val="accent3">
-              <a:lumMod val="75000"/>
-            </a:schemeClr>
-          </a:solidFill>
-          <a:ln>
-            <a:solidFill>
-              <a:schemeClr val="tx1"/>
-            </a:solidFill>
-          </a:ln>
-        </p:spPr>
-        <p:style>
-          <a:lnRef idx="2">
-            <a:schemeClr val="accent1">
-              <a:shade val="50000"/>
-            </a:schemeClr>
-          </a:lnRef>
-          <a:fillRef idx="1">
-            <a:schemeClr val="accent1"/>
-          </a:fillRef>
-          <a:effectRef idx="0">
-            <a:schemeClr val="accent1"/>
-          </a:effectRef>
-          <a:fontRef idx="minor">
-            <a:schemeClr val="lt1"/>
-          </a:fontRef>
-        </p:style>
-        <p:txBody>
-          <a:bodyPr rtlCol="0" anchor="ctr"/>
-          <a:lstStyle/>
-          <a:p>
-            <a:pPr algn="ctr"/>
-            <a:r>
-              <a:rPr lang="pt-BR" sz="800" dirty="0">
-                <a:latin typeface="+mj-lt"/>
-              </a:rPr>
-              <a:t>00100000</a:t>
-            </a:r>
-          </a:p>
-        </p:txBody>
-      </p:sp>
-      <p:sp>
-        <p:nvSpPr>
-          <p:cNvPr id="10" name="Retângulo 9"/>
-          <p:cNvSpPr/>
-          <p:nvPr/>
-        </p:nvSpPr>
-        <p:spPr>
-          <a:xfrm>
-            <a:off x="5421138" y="3859908"/>
-            <a:ext cx="642942" cy="214314"/>
-          </a:xfrm>
-          <a:prstGeom prst="rect">
-            <a:avLst/>
-          </a:prstGeom>
-          <a:solidFill>
-            <a:schemeClr val="accent3">
-              <a:lumMod val="75000"/>
-            </a:schemeClr>
-          </a:solidFill>
-          <a:ln>
-            <a:solidFill>
-              <a:schemeClr val="tx1"/>
-            </a:solidFill>
-          </a:ln>
-        </p:spPr>
-        <p:style>
-          <a:lnRef idx="2">
-            <a:schemeClr val="accent1">
-              <a:shade val="50000"/>
-            </a:schemeClr>
-          </a:lnRef>
-          <a:fillRef idx="1">
-            <a:schemeClr val="accent1"/>
-          </a:fillRef>
-          <a:effectRef idx="0">
-            <a:schemeClr val="accent1"/>
-          </a:effectRef>
-          <a:fontRef idx="minor">
-            <a:schemeClr val="lt1"/>
-          </a:fontRef>
-        </p:style>
-        <p:txBody>
-          <a:bodyPr rtlCol="0" anchor="ctr"/>
-          <a:lstStyle/>
-          <a:p>
-            <a:pPr algn="ctr"/>
-            <a:r>
-              <a:rPr lang="pt-BR" sz="800" dirty="0">
-                <a:latin typeface="+mj-lt"/>
-              </a:rPr>
-              <a:t>00110001</a:t>
-            </a:r>
-          </a:p>
-        </p:txBody>
-      </p:sp>
-      <p:sp>
-        <p:nvSpPr>
-          <p:cNvPr id="11" name="Retângulo 10"/>
-          <p:cNvSpPr/>
-          <p:nvPr/>
-        </p:nvSpPr>
-        <p:spPr>
-          <a:xfrm>
-            <a:off x="6064080" y="3859908"/>
-            <a:ext cx="642942" cy="214314"/>
-          </a:xfrm>
-          <a:prstGeom prst="rect">
-            <a:avLst/>
-          </a:prstGeom>
-          <a:solidFill>
-            <a:schemeClr val="accent3">
-              <a:lumMod val="75000"/>
-            </a:schemeClr>
-          </a:solidFill>
-          <a:ln>
-            <a:solidFill>
-              <a:schemeClr val="tx1"/>
-            </a:solidFill>
-          </a:ln>
-        </p:spPr>
-        <p:style>
-          <a:lnRef idx="2">
-            <a:schemeClr val="accent1">
-              <a:shade val="50000"/>
-            </a:schemeClr>
-          </a:lnRef>
-          <a:fillRef idx="1">
-            <a:schemeClr val="accent1"/>
-          </a:fillRef>
-          <a:effectRef idx="0">
-            <a:schemeClr val="accent1"/>
-          </a:effectRef>
-          <a:fontRef idx="minor">
-            <a:schemeClr val="lt1"/>
-          </a:fontRef>
-        </p:style>
-        <p:txBody>
-          <a:bodyPr rtlCol="0" anchor="ctr"/>
-          <a:lstStyle/>
-          <a:p>
-            <a:pPr algn="ctr"/>
-            <a:r>
-              <a:rPr lang="pt-BR" sz="800" dirty="0">
-                <a:latin typeface="+mj-lt"/>
-              </a:rPr>
-              <a:t>00111001</a:t>
-            </a:r>
-          </a:p>
-        </p:txBody>
-      </p:sp>
-      <p:sp>
-        <p:nvSpPr>
-          <p:cNvPr id="12" name="Retângulo 11"/>
-          <p:cNvSpPr/>
-          <p:nvPr/>
-        </p:nvSpPr>
-        <p:spPr>
-          <a:xfrm>
-            <a:off x="6707022" y="3859908"/>
-            <a:ext cx="642942" cy="214314"/>
-          </a:xfrm>
-          <a:prstGeom prst="rect">
-            <a:avLst/>
-          </a:prstGeom>
-          <a:solidFill>
-            <a:schemeClr val="accent3">
-              <a:lumMod val="75000"/>
-            </a:schemeClr>
-          </a:solidFill>
-          <a:ln>
-            <a:solidFill>
-              <a:schemeClr val="tx1"/>
-            </a:solidFill>
-          </a:ln>
-        </p:spPr>
-        <p:style>
-          <a:lnRef idx="2">
-            <a:schemeClr val="accent1">
-              <a:shade val="50000"/>
-            </a:schemeClr>
-          </a:lnRef>
-          <a:fillRef idx="1">
-            <a:schemeClr val="accent1"/>
-          </a:fillRef>
-          <a:effectRef idx="0">
-            <a:schemeClr val="accent1"/>
-          </a:effectRef>
-          <a:fontRef idx="minor">
-            <a:schemeClr val="lt1"/>
-          </a:fontRef>
-        </p:style>
-        <p:txBody>
-          <a:bodyPr rtlCol="0" anchor="ctr"/>
-          <a:lstStyle/>
-          <a:p>
-            <a:pPr algn="ctr"/>
-            <a:r>
-              <a:rPr lang="pt-BR" sz="800" dirty="0">
-                <a:latin typeface="+mj-lt"/>
-              </a:rPr>
-              <a:t>00101110</a:t>
-            </a:r>
-          </a:p>
-        </p:txBody>
-      </p:sp>
-      <p:sp>
-        <p:nvSpPr>
-          <p:cNvPr id="13" name="Retângulo 12"/>
-          <p:cNvSpPr/>
-          <p:nvPr/>
-        </p:nvSpPr>
-        <p:spPr>
-          <a:xfrm>
-            <a:off x="7349964" y="3859908"/>
-            <a:ext cx="642942" cy="214314"/>
-          </a:xfrm>
-          <a:prstGeom prst="rect">
-            <a:avLst/>
-          </a:prstGeom>
-          <a:solidFill>
-            <a:schemeClr val="accent3">
-              <a:lumMod val="75000"/>
-            </a:schemeClr>
-          </a:solidFill>
-          <a:ln>
-            <a:solidFill>
-              <a:schemeClr val="tx1"/>
-            </a:solidFill>
-          </a:ln>
-        </p:spPr>
-        <p:style>
-          <a:lnRef idx="2">
-            <a:schemeClr val="accent1">
-              <a:shade val="50000"/>
-            </a:schemeClr>
-          </a:lnRef>
-          <a:fillRef idx="1">
-            <a:schemeClr val="accent1"/>
-          </a:fillRef>
-          <a:effectRef idx="0">
-            <a:schemeClr val="accent1"/>
-          </a:effectRef>
-          <a:fontRef idx="minor">
-            <a:schemeClr val="lt1"/>
-          </a:fontRef>
-        </p:style>
-        <p:txBody>
-          <a:bodyPr rtlCol="0" anchor="ctr"/>
-          <a:lstStyle/>
-          <a:p>
-            <a:pPr algn="ctr"/>
-            <a:r>
-              <a:rPr lang="pt-BR" sz="800" dirty="0">
-                <a:latin typeface="+mj-lt"/>
-              </a:rPr>
-              <a:t>00110010</a:t>
-            </a:r>
-          </a:p>
-        </p:txBody>
-      </p:sp>
-      <p:sp>
-        <p:nvSpPr>
-          <p:cNvPr id="14" name="Retângulo 13"/>
-          <p:cNvSpPr/>
-          <p:nvPr/>
-        </p:nvSpPr>
-        <p:spPr>
-          <a:xfrm>
-            <a:off x="7992906" y="3859908"/>
-            <a:ext cx="642942" cy="214314"/>
-          </a:xfrm>
-          <a:prstGeom prst="rect">
-            <a:avLst/>
-          </a:prstGeom>
-          <a:solidFill>
-            <a:schemeClr val="accent3">
-              <a:lumMod val="75000"/>
-            </a:schemeClr>
-          </a:solidFill>
-          <a:ln>
-            <a:solidFill>
-              <a:schemeClr val="tx1"/>
-            </a:solidFill>
-          </a:ln>
-        </p:spPr>
-        <p:style>
-          <a:lnRef idx="2">
-            <a:schemeClr val="accent1">
-              <a:shade val="50000"/>
-            </a:schemeClr>
-          </a:lnRef>
-          <a:fillRef idx="1">
-            <a:schemeClr val="accent1"/>
-          </a:fillRef>
-          <a:effectRef idx="0">
-            <a:schemeClr val="accent1"/>
-          </a:effectRef>
-          <a:fontRef idx="minor">
-            <a:schemeClr val="lt1"/>
-          </a:fontRef>
-        </p:style>
-        <p:txBody>
-          <a:bodyPr rtlCol="0" anchor="ctr"/>
-          <a:lstStyle/>
-          <a:p>
-            <a:pPr algn="ctr"/>
-            <a:r>
-              <a:rPr lang="pt-BR" sz="800" dirty="0">
-                <a:latin typeface="+mj-lt"/>
-              </a:rPr>
-              <a:t>00001101</a:t>
-            </a:r>
-          </a:p>
-        </p:txBody>
-      </p:sp>
-      <p:sp>
-        <p:nvSpPr>
-          <p:cNvPr id="15" name="CaixaDeTexto 14"/>
-          <p:cNvSpPr txBox="1"/>
-          <p:nvPr/>
-        </p:nvSpPr>
-        <p:spPr>
-          <a:xfrm>
-            <a:off x="2206428" y="4145661"/>
-            <a:ext cx="6429420" cy="307777"/>
-          </a:xfrm>
-          <a:prstGeom prst="rect">
-            <a:avLst/>
-          </a:prstGeom>
-          <a:noFill/>
-        </p:spPr>
-        <p:txBody>
-          <a:bodyPr wrap="square" rtlCol="0">
-            <a:spAutoFit/>
-          </a:bodyPr>
-          <a:lstStyle/>
-          <a:p>
-            <a:r>
-              <a:rPr lang="pt-BR" sz="1400" dirty="0">
+          </p:spPr>
+          <p:txBody>
+            <a:bodyPr wrap="square" rtlCol="0">
+              <a:spAutoFit/>
+            </a:bodyPr>
+            <a:lstStyle/>
+            <a:p>
+              <a:r>
+                <a:rPr lang="pt-BR" sz="1400" dirty="0">
+                  <a:solidFill>
+                    <a:schemeClr val="accent2">
+                      <a:lumMod val="60000"/>
+                      <a:lumOff val="40000"/>
+                    </a:schemeClr>
+                  </a:solidFill>
+                  <a:latin typeface="+mj-lt"/>
+                </a:rPr>
+                <a:t> '3'   '8'    '.'   '5'    ' '    '1'   '9'    '.'   '2'   '\n'</a:t>
+              </a:r>
+              <a:endParaRPr lang="pt-BR" sz="1200" dirty="0">
                 <a:solidFill>
                   <a:schemeClr val="accent2">
                     <a:lumMod val="60000"/>
@@ -30568,21 +31129,11 @@
                   </a:schemeClr>
                 </a:solidFill>
                 <a:latin typeface="+mj-lt"/>
-              </a:rPr>
-              <a:t> '3'   '8'    '.'   '5'    ' '    '1'   '9'    '.'   '2'   '\n'</a:t>
-            </a:r>
-            <a:endParaRPr lang="pt-BR" sz="1200" dirty="0">
-              <a:solidFill>
-                <a:schemeClr val="accent2">
-                  <a:lumMod val="60000"/>
-                  <a:lumOff val="40000"/>
-                </a:schemeClr>
-              </a:solidFill>
-              <a:latin typeface="+mj-lt"/>
-            </a:endParaRPr>
-          </a:p>
-        </p:txBody>
-      </p:sp>
+              </a:endParaRPr>
+            </a:p>
+          </p:txBody>
+        </p:sp>
+      </p:grpSp>
     </p:spTree>
   </p:cSld>
   <p:clrMapOvr>
@@ -31096,7 +31647,7 @@
           <a:p>
             <a:r>
               <a:rPr lang="pt-BR" dirty="0"/>
-              <a:t>As vezes a </a:t>
+              <a:t>A </a:t>
             </a:r>
             <a:r>
               <a:rPr lang="pt-BR" dirty="0">
@@ -31110,14 +31661,21 @@
             </a:r>
             <a:r>
               <a:rPr lang="pt-BR" dirty="0"/>
-              <a:t>pelo teclado não é a melhor opção:</a:t>
+              <a:t>pelo teclado nem sempre é a melhor opção:</a:t>
             </a:r>
           </a:p>
           <a:p>
             <a:pPr lvl="1"/>
             <a:r>
               <a:rPr lang="pt-BR" dirty="0"/>
-              <a:t>Imagine usar o teclado para entrar com nome, preço e quantidade em estoque de </a:t>
+              <a:t>Imagine usar o teclado para entrar com nome, preço e </a:t>
+            </a:r>
+            <a:br>
+              <a:rPr lang="pt-BR" dirty="0"/>
+            </a:br>
+            <a:r>
+              <a:rPr lang="pt-BR" dirty="0"/>
+              <a:t>quantidade em estoque de </a:t>
             </a:r>
             <a:r>
               <a:rPr lang="pt-BR" dirty="0">
@@ -34220,15 +34778,24 @@
                                   </p:childTnLst>
                                 </p:cTn>
                               </p:par>
+                            </p:childTnLst>
+                          </p:cTn>
+                        </p:par>
+                        <p:par>
+                          <p:cTn id="34" fill="hold">
+                            <p:stCondLst>
+                              <p:cond delay="500"/>
+                            </p:stCondLst>
+                            <p:childTnLst>
                               <p:par>
-                                <p:cTn id="34" presetID="1" presetClass="entr" presetSubtype="0" fill="hold" grpId="0" nodeType="withEffect">
+                                <p:cTn id="35" presetID="1" presetClass="entr" presetSubtype="0" fill="hold" grpId="0" nodeType="afterEffect">
                                   <p:stCondLst>
                                     <p:cond delay="0"/>
                                   </p:stCondLst>
                                   <p:childTnLst>
                                     <p:set>
                                       <p:cBhvr>
-                                        <p:cTn id="35" dur="1" fill="hold">
+                                        <p:cTn id="36" dur="1" fill="hold">
                                           <p:stCondLst>
                                             <p:cond delay="0"/>
                                           </p:stCondLst>
@@ -34248,14 +34815,14 @@
                                 </p:cTn>
                               </p:par>
                               <p:par>
-                                <p:cTn id="36" presetID="1" presetClass="exit" presetSubtype="0" fill="hold" grpId="0" nodeType="withEffect">
+                                <p:cTn id="37" presetID="1" presetClass="exit" presetSubtype="0" fill="hold" grpId="0" nodeType="withEffect">
                                   <p:stCondLst>
                                     <p:cond delay="0"/>
                                   </p:stCondLst>
                                   <p:childTnLst>
                                     <p:set>
                                       <p:cBhvr>
-                                        <p:cTn id="37" dur="1" fill="hold">
+                                        <p:cTn id="38" dur="1" fill="hold">
                                           <p:stCondLst>
                                             <p:cond delay="0"/>
                                           </p:stCondLst>
@@ -36896,6 +37463,48 @@
           </a:p>
         </p:txBody>
       </p:sp>
+      <p:sp>
+        <p:nvSpPr>
+          <p:cNvPr id="5" name="CaixaDeTexto 4">
+            <a:extLst>
+              <a:ext uri="{FF2B5EF4-FFF2-40B4-BE49-F238E27FC236}">
+                <a16:creationId xmlns:a16="http://schemas.microsoft.com/office/drawing/2014/main" id="{D9E887DC-D3EA-4EFB-9603-B510B9457FC3}"/>
+              </a:ext>
+            </a:extLst>
+          </p:cNvPr>
+          <p:cNvSpPr txBox="1"/>
+          <p:nvPr/>
+        </p:nvSpPr>
+        <p:spPr>
+          <a:xfrm rot="16200000">
+            <a:off x="-714272" y="5774776"/>
+            <a:ext cx="1800200" cy="276999"/>
+          </a:xfrm>
+          <a:prstGeom prst="rect">
+            <a:avLst/>
+          </a:prstGeom>
+          <a:noFill/>
+        </p:spPr>
+        <p:txBody>
+          <a:bodyPr wrap="square" rtlCol="0">
+            <a:spAutoFit/>
+          </a:bodyPr>
+          <a:lstStyle/>
+          <a:p>
+            <a:r>
+              <a:rPr lang="pt-BR" sz="1200" dirty="0">
+                <a:solidFill>
+                  <a:schemeClr val="bg2">
+                    <a:lumMod val="50000"/>
+                  </a:schemeClr>
+                </a:solidFill>
+                <a:latin typeface="+mj-lt"/>
+              </a:rPr>
+              <a:t>// MediaArq.cpp</a:t>
+            </a:r>
+          </a:p>
+        </p:txBody>
+      </p:sp>
     </p:spTree>
   </p:cSld>
   <p:clrMapOvr>
@@ -36952,7 +37561,7 @@
         <p:spPr>
           <a:xfrm>
             <a:off x="1219200" y="1700808"/>
-            <a:ext cx="10363200" cy="4770537"/>
+            <a:ext cx="10363200" cy="4524315"/>
           </a:xfrm>
           <a:prstGeom prst="rect">
             <a:avLst/>
@@ -37372,6 +37981,86 @@
               </a:rPr>
               <a:t>else</a:t>
             </a:r>
+            <a:r>
+              <a:rPr lang="pt-BR" sz="1600" dirty="0">
+                <a:latin typeface="+mj-lt"/>
+              </a:rPr>
+              <a:t> </a:t>
+            </a:r>
+            <a:r>
+              <a:rPr lang="pt-BR" sz="1600" dirty="0">
+                <a:solidFill>
+                  <a:schemeClr val="accent3">
+                    <a:lumMod val="75000"/>
+                  </a:schemeClr>
+                </a:solidFill>
+                <a:latin typeface="+mj-lt"/>
+              </a:rPr>
+              <a:t>if</a:t>
+            </a:r>
+            <a:r>
+              <a:rPr lang="pt-BR" sz="1600" dirty="0">
+                <a:latin typeface="+mj-lt"/>
+              </a:rPr>
+              <a:t> (</a:t>
+            </a:r>
+            <a:r>
+              <a:rPr lang="pt-BR" sz="1600" dirty="0" err="1">
+                <a:latin typeface="+mj-lt"/>
+              </a:rPr>
+              <a:t>fin.fail</a:t>
+            </a:r>
+            <a:r>
+              <a:rPr lang="pt-BR" sz="1600" dirty="0">
+                <a:latin typeface="+mj-lt"/>
+              </a:rPr>
+              <a:t>())</a:t>
+            </a:r>
+          </a:p>
+          <a:p>
+            <a:r>
+              <a:rPr lang="pt-BR" sz="1600" dirty="0">
+                <a:latin typeface="+mj-lt"/>
+              </a:rPr>
+              <a:t>        cout &lt;&lt; </a:t>
+            </a:r>
+            <a:r>
+              <a:rPr lang="pt-BR" sz="1600" dirty="0">
+                <a:solidFill>
+                  <a:schemeClr val="accent2">
+                    <a:lumMod val="60000"/>
+                    <a:lumOff val="40000"/>
+                  </a:schemeClr>
+                </a:solidFill>
+                <a:latin typeface="+mj-lt"/>
+              </a:rPr>
+              <a:t>"Tipo incorreto de dado na entrada.\n"</a:t>
+            </a:r>
+            <a:r>
+              <a:rPr lang="pt-BR" sz="1600" dirty="0">
+                <a:latin typeface="+mj-lt"/>
+              </a:rPr>
+              <a:t>;</a:t>
+            </a:r>
+          </a:p>
+          <a:p>
+            <a:r>
+              <a:rPr lang="pt-BR" sz="1600" dirty="0">
+                <a:latin typeface="+mj-lt"/>
+              </a:rPr>
+              <a:t>     </a:t>
+            </a:r>
+            <a:r>
+              <a:rPr lang="pt-BR" sz="1600" dirty="0" err="1">
+                <a:solidFill>
+                  <a:schemeClr val="accent3">
+                    <a:lumMod val="75000"/>
+                  </a:schemeClr>
+                </a:solidFill>
+                <a:latin typeface="+mj-lt"/>
+              </a:rPr>
+              <a:t>else</a:t>
+            </a:r>
             <a:endParaRPr lang="pt-BR" sz="1600" dirty="0">
               <a:solidFill>
                 <a:schemeClr val="accent3">
@@ -37386,56 +38075,7 @@
               <a:rPr lang="pt-BR" sz="1600" dirty="0">
                 <a:latin typeface="+mj-lt"/>
               </a:rPr>
-              <a:t>        </a:t>
-            </a:r>
-            <a:r>
-              <a:rPr lang="pt-BR" sz="1600" dirty="0">
-                <a:solidFill>
-                  <a:schemeClr val="accent3">
-                    <a:lumMod val="75000"/>
-                  </a:schemeClr>
-                </a:solidFill>
-                <a:latin typeface="+mj-lt"/>
-              </a:rPr>
-              <a:t>if</a:t>
-            </a:r>
-            <a:r>
-              <a:rPr lang="pt-BR" sz="1600" dirty="0">
-                <a:latin typeface="+mj-lt"/>
-              </a:rPr>
-              <a:t> (</a:t>
-            </a:r>
-            <a:r>
-              <a:rPr lang="pt-BR" sz="1600" dirty="0" err="1">
-                <a:latin typeface="+mj-lt"/>
-              </a:rPr>
-              <a:t>fin.fail</a:t>
-            </a:r>
-            <a:r>
-              <a:rPr lang="pt-BR" sz="1600" dirty="0">
-                <a:latin typeface="+mj-lt"/>
-              </a:rPr>
-              <a:t>())</a:t>
-            </a:r>
-          </a:p>
-          <a:p>
-            <a:r>
-              <a:rPr lang="pt-BR" sz="1600" dirty="0">
-                <a:latin typeface="+mj-lt"/>
-              </a:rPr>
-              <a:t>           </a:t>
-            </a:r>
-            <a:r>
-              <a:rPr lang="pt-BR" sz="1600" dirty="0" err="1">
-                <a:latin typeface="+mj-lt"/>
-              </a:rPr>
-              <a:t>cout</a:t>
-            </a:r>
-            <a:r>
-              <a:rPr lang="pt-BR" sz="1600" dirty="0">
-                <a:latin typeface="+mj-lt"/>
-              </a:rPr>
-              <a:t> &lt;&lt; </a:t>
+              <a:t>        cout &lt;&lt; </a:t>
             </a:r>
             <a:r>
               <a:rPr lang="pt-BR" sz="1600" dirty="0">
@@ -37447,7 +38087,7 @@
                 </a:solidFill>
                 <a:latin typeface="+mj-lt"/>
               </a:rPr>
-              <a:t>"Tipo incorreto de dado na entrada.\n"</a:t>
+              <a:t>"Entrada encerrada por razão desconhecida.\n"</a:t>
             </a:r>
             <a:r>
               <a:rPr lang="pt-BR" sz="1600" dirty="0">
@@ -37456,69 +38096,46 @@
               <a:t>;</a:t>
             </a:r>
           </a:p>
-          <a:p>
-            <a:r>
-              <a:rPr lang="pt-BR" sz="1600" dirty="0">
-                <a:latin typeface="+mj-lt"/>
-              </a:rPr>
-              <a:t>        </a:t>
-            </a:r>
-            <a:r>
-              <a:rPr lang="pt-BR" sz="1600" dirty="0" err="1">
+        </p:txBody>
+      </p:sp>
+      <p:sp>
+        <p:nvSpPr>
+          <p:cNvPr id="5" name="CaixaDeTexto 4">
+            <a:extLst>
+              <a:ext uri="{FF2B5EF4-FFF2-40B4-BE49-F238E27FC236}">
+                <a16:creationId xmlns:a16="http://schemas.microsoft.com/office/drawing/2014/main" id="{FE9B72A2-C909-4C9D-A993-8138BD30236D}"/>
+              </a:ext>
+            </a:extLst>
+          </p:cNvPr>
+          <p:cNvSpPr txBox="1"/>
+          <p:nvPr/>
+        </p:nvSpPr>
+        <p:spPr>
+          <a:xfrm rot="16200000">
+            <a:off x="-714272" y="5774776"/>
+            <a:ext cx="1800200" cy="276999"/>
+          </a:xfrm>
+          <a:prstGeom prst="rect">
+            <a:avLst/>
+          </a:prstGeom>
+          <a:noFill/>
+        </p:spPr>
+        <p:txBody>
+          <a:bodyPr wrap="square" rtlCol="0">
+            <a:spAutoFit/>
+          </a:bodyPr>
+          <a:lstStyle/>
+          <a:p>
+            <a:r>
+              <a:rPr lang="pt-BR" sz="1200" dirty="0">
                 <a:solidFill>
-                  <a:schemeClr val="accent3">
-                    <a:lumMod val="75000"/>
+                  <a:schemeClr val="bg2">
+                    <a:lumMod val="50000"/>
                   </a:schemeClr>
                 </a:solidFill>
                 <a:latin typeface="+mj-lt"/>
               </a:rPr>
-              <a:t>else</a:t>
-            </a:r>
-            <a:endParaRPr lang="pt-BR" sz="1600" dirty="0">
-              <a:solidFill>
-                <a:schemeClr val="accent3">
-                  <a:lumMod val="75000"/>
-                </a:schemeClr>
-              </a:solidFill>
-              <a:latin typeface="+mj-lt"/>
-            </a:endParaRPr>
-          </a:p>
-          <a:p>
-            <a:r>
-              <a:rPr lang="pt-BR" sz="1600" dirty="0">
-                <a:latin typeface="+mj-lt"/>
-              </a:rPr>
-              <a:t>           </a:t>
-            </a:r>
-            <a:r>
-              <a:rPr lang="pt-BR" sz="1600" dirty="0" err="1">
-                <a:latin typeface="+mj-lt"/>
-              </a:rPr>
-              <a:t>cout</a:t>
-            </a:r>
-            <a:r>
-              <a:rPr lang="pt-BR" sz="1600" dirty="0">
-                <a:latin typeface="+mj-lt"/>
-              </a:rPr>
-              <a:t> &lt;&lt; </a:t>
-            </a:r>
-            <a:r>
-              <a:rPr lang="pt-BR" sz="1600" dirty="0">
-                <a:solidFill>
-                  <a:schemeClr val="accent2">
-                    <a:lumMod val="60000"/>
-                    <a:lumOff val="40000"/>
-                  </a:schemeClr>
-                </a:solidFill>
-                <a:latin typeface="+mj-lt"/>
-              </a:rPr>
-              <a:t>"Entrada encerrada por razão desconhecida.\n"</a:t>
-            </a:r>
-            <a:r>
-              <a:rPr lang="pt-BR" sz="1600" dirty="0">
-                <a:latin typeface="+mj-lt"/>
-              </a:rPr>
-              <a:t>;</a:t>
+              <a:t>// MediaArq.cpp</a:t>
             </a:r>
           </a:p>
         </p:txBody>
@@ -37970,6 +38587,48 @@
           </a:p>
         </p:txBody>
       </p:sp>
+      <p:sp>
+        <p:nvSpPr>
+          <p:cNvPr id="5" name="CaixaDeTexto 4">
+            <a:extLst>
+              <a:ext uri="{FF2B5EF4-FFF2-40B4-BE49-F238E27FC236}">
+                <a16:creationId xmlns:a16="http://schemas.microsoft.com/office/drawing/2014/main" id="{03F061E6-B5CF-420B-80F7-81D4C5BCA7D7}"/>
+              </a:ext>
+            </a:extLst>
+          </p:cNvPr>
+          <p:cNvSpPr txBox="1"/>
+          <p:nvPr/>
+        </p:nvSpPr>
+        <p:spPr>
+          <a:xfrm rot="16200000">
+            <a:off x="-714272" y="5774776"/>
+            <a:ext cx="1800200" cy="276999"/>
+          </a:xfrm>
+          <a:prstGeom prst="rect">
+            <a:avLst/>
+          </a:prstGeom>
+          <a:noFill/>
+        </p:spPr>
+        <p:txBody>
+          <a:bodyPr wrap="square" rtlCol="0">
+            <a:spAutoFit/>
+          </a:bodyPr>
+          <a:lstStyle/>
+          <a:p>
+            <a:r>
+              <a:rPr lang="pt-BR" sz="1200" dirty="0">
+                <a:solidFill>
+                  <a:schemeClr val="bg2">
+                    <a:lumMod val="50000"/>
+                  </a:schemeClr>
+                </a:solidFill>
+                <a:latin typeface="+mj-lt"/>
+              </a:rPr>
+              <a:t>// MediaArq.cpp</a:t>
+            </a:r>
+          </a:p>
+        </p:txBody>
+      </p:sp>
     </p:spTree>
   </p:cSld>
   <p:clrMapOvr>
@@ -38141,7 +38800,10 @@
             <a:r>
               <a:rPr lang="pt-BR" sz="1400" b="1" dirty="0">
                 <a:solidFill>
-                  <a:schemeClr val="accent3"/>
+                  <a:schemeClr val="accent3">
+                    <a:lumMod val="60000"/>
+                    <a:lumOff val="40000"/>
+                  </a:schemeClr>
                 </a:solidFill>
                 <a:latin typeface="+mj-lt"/>
               </a:rPr>
@@ -38574,7 +39236,14 @@
             <a:pPr lvl="1"/>
             <a:r>
               <a:rPr lang="pt-BR" dirty="0"/>
-              <a:t>Seria conveniente gerar uma lista de produtos fora de estoque em um </a:t>
+              <a:t>Seria conveniente gerar uma lista de produtos fora de </a:t>
+            </a:r>
+            <a:br>
+              <a:rPr lang="pt-BR" dirty="0"/>
+            </a:br>
+            <a:r>
+              <a:rPr lang="pt-BR" dirty="0"/>
+              <a:t>estoque em um </a:t>
             </a:r>
             <a:r>
               <a:rPr lang="pt-BR" dirty="0">
@@ -38597,7 +39266,7 @@
         </p:nvGrpSpPr>
         <p:grpSpPr>
           <a:xfrm>
-            <a:off x="7096132" y="4357694"/>
+            <a:off x="7096132" y="3861048"/>
             <a:ext cx="1857388" cy="2071702"/>
             <a:chOff x="-642974" y="2428868"/>
             <a:chExt cx="1857388" cy="2071702"/>
@@ -38942,7 +39611,7 @@
         </p:nvSpPr>
         <p:spPr>
           <a:xfrm>
-            <a:off x="5405188" y="4845665"/>
+            <a:off x="5405188" y="4349019"/>
             <a:ext cx="715260" cy="369332"/>
           </a:xfrm>
           <a:prstGeom prst="rect">
@@ -38971,7 +39640,7 @@
         </p:nvSpPr>
         <p:spPr>
           <a:xfrm>
-            <a:off x="2940068" y="4961497"/>
+            <a:off x="2940068" y="4464851"/>
             <a:ext cx="1509787" cy="864096"/>
           </a:xfrm>
           <a:prstGeom prst="rect">
@@ -39030,7 +39699,7 @@
         </p:nvCxnSpPr>
         <p:spPr>
           <a:xfrm>
-            <a:off x="4421280" y="5373216"/>
+            <a:off x="4421280" y="4876570"/>
             <a:ext cx="2646277" cy="0"/>
           </a:xfrm>
           <a:prstGeom prst="straightConnector1">
@@ -39332,7 +40001,14 @@
             </a:r>
             <a:r>
               <a:rPr lang="pt-BR" dirty="0"/>
-              <a:t>armazenado em algum dispositivo</a:t>
+              <a:t>guardado em algum dispositivo de armazenamento permanente</a:t>
+            </a:r>
+          </a:p>
+          <a:p>
+            <a:pPr lvl="1"/>
+            <a:r>
+              <a:rPr lang="pt-BR" dirty="0"/>
+              <a:t>SSD, HDD, Pen-Drive, etc.</a:t>
             </a:r>
           </a:p>
         </p:txBody>

--- a/Slides/23. Arquivos Texto.pptx
+++ b/Slides/23. Arquivos Texto.pptx
@@ -652,7 +652,7 @@
   <pc:docChgLst>
     <pc:chgData name="Judson Santiago" userId="ebb108da2f256286" providerId="LiveId" clId="{E45340D2-D6E3-45A7-80A8-DB39EB808FB0}"/>
     <pc:docChg chg="undo custSel modSld modMainMaster">
-      <pc:chgData name="Judson Santiago" userId="ebb108da2f256286" providerId="LiveId" clId="{E45340D2-D6E3-45A7-80A8-DB39EB808FB0}" dt="2021-05-24T19:50:59.911" v="256"/>
+      <pc:chgData name="Judson Santiago" userId="ebb108da2f256286" providerId="LiveId" clId="{E45340D2-D6E3-45A7-80A8-DB39EB808FB0}" dt="2021-05-28T01:32:30.827" v="257" actId="6549"/>
       <pc:docMkLst>
         <pc:docMk/>
       </pc:docMkLst>
@@ -984,6 +984,21 @@
           <ac:spMkLst>
             <pc:docMk/>
             <pc:sldMk cId="1750529289" sldId="289"/>
+            <ac:spMk id="3" creationId="{00000000-0000-0000-0000-000000000000}"/>
+          </ac:spMkLst>
+        </pc:spChg>
+      </pc:sldChg>
+      <pc:sldChg chg="modSp mod">
+        <pc:chgData name="Judson Santiago" userId="ebb108da2f256286" providerId="LiveId" clId="{E45340D2-D6E3-45A7-80A8-DB39EB808FB0}" dt="2021-05-28T01:32:30.827" v="257" actId="6549"/>
+        <pc:sldMkLst>
+          <pc:docMk/>
+          <pc:sldMk cId="2347449722" sldId="305"/>
+        </pc:sldMkLst>
+        <pc:spChg chg="mod">
+          <ac:chgData name="Judson Santiago" userId="ebb108da2f256286" providerId="LiveId" clId="{E45340D2-D6E3-45A7-80A8-DB39EB808FB0}" dt="2021-05-28T01:32:30.827" v="257" actId="6549"/>
+          <ac:spMkLst>
+            <pc:docMk/>
+            <pc:sldMk cId="2347449722" sldId="305"/>
             <ac:spMk id="3" creationId="{00000000-0000-0000-0000-000000000000}"/>
           </ac:spMkLst>
         </pc:spChg>
@@ -2266,7 +2281,7 @@
             <a:fld id="{930E53B6-818D-417C-BFE0-5C5C2F79A7B0}" type="datetimeFigureOut">
               <a:rPr lang="pt-BR" smtClean="0"/>
               <a:pPr/>
-              <a:t>24/05/2021</a:t>
+              <a:t>27/05/2021</a:t>
             </a:fld>
             <a:endParaRPr lang="pt-BR"/>
           </a:p>
@@ -4166,7 +4181,7 @@
             <a:fld id="{275F0C2A-2D46-4BF1-8C5E-F57D7C710160}" type="datetimeFigureOut">
               <a:rPr lang="pt-BR" smtClean="0"/>
               <a:pPr/>
-              <a:t>24/05/2021</a:t>
+              <a:t>27/05/2021</a:t>
             </a:fld>
             <a:endParaRPr lang="pt-BR"/>
           </a:p>
@@ -4721,7 +4736,7 @@
             <a:fld id="{275F0C2A-2D46-4BF1-8C5E-F57D7C710160}" type="datetimeFigureOut">
               <a:rPr lang="pt-BR" smtClean="0"/>
               <a:pPr/>
-              <a:t>24/05/2021</a:t>
+              <a:t>27/05/2021</a:t>
             </a:fld>
             <a:endParaRPr lang="pt-BR"/>
           </a:p>
@@ -4898,7 +4913,7 @@
             <a:fld id="{275F0C2A-2D46-4BF1-8C5E-F57D7C710160}" type="datetimeFigureOut">
               <a:rPr lang="pt-BR" smtClean="0"/>
               <a:pPr/>
-              <a:t>24/05/2021</a:t>
+              <a:t>27/05/2021</a:t>
             </a:fld>
             <a:endParaRPr lang="pt-BR"/>
           </a:p>
@@ -5065,7 +5080,7 @@
             <a:fld id="{275F0C2A-2D46-4BF1-8C5E-F57D7C710160}" type="datetimeFigureOut">
               <a:rPr lang="pt-BR" smtClean="0"/>
               <a:pPr/>
-              <a:t>24/05/2021</a:t>
+              <a:t>27/05/2021</a:t>
             </a:fld>
             <a:endParaRPr lang="pt-BR"/>
           </a:p>
@@ -6514,7 +6529,7 @@
             <a:fld id="{275F0C2A-2D46-4BF1-8C5E-F57D7C710160}" type="datetimeFigureOut">
               <a:rPr lang="pt-BR" smtClean="0"/>
               <a:pPr/>
-              <a:t>24/05/2021</a:t>
+              <a:t>27/05/2021</a:t>
             </a:fld>
             <a:endParaRPr lang="pt-BR"/>
           </a:p>
@@ -7096,7 +7111,7 @@
             <a:fld id="{275F0C2A-2D46-4BF1-8C5E-F57D7C710160}" type="datetimeFigureOut">
               <a:rPr lang="pt-BR" smtClean="0"/>
               <a:pPr/>
-              <a:t>24/05/2021</a:t>
+              <a:t>27/05/2021</a:t>
             </a:fld>
             <a:endParaRPr lang="pt-BR"/>
           </a:p>
@@ -7527,7 +7542,7 @@
             <a:fld id="{275F0C2A-2D46-4BF1-8C5E-F57D7C710160}" type="datetimeFigureOut">
               <a:rPr lang="pt-BR" smtClean="0"/>
               <a:pPr/>
-              <a:t>24/05/2021</a:t>
+              <a:t>27/05/2021</a:t>
             </a:fld>
             <a:endParaRPr lang="pt-BR"/>
           </a:p>
@@ -8066,7 +8081,7 @@
             <a:fld id="{275F0C2A-2D46-4BF1-8C5E-F57D7C710160}" type="datetimeFigureOut">
               <a:rPr lang="pt-BR" smtClean="0"/>
               <a:pPr/>
-              <a:t>24/05/2021</a:t>
+              <a:t>27/05/2021</a:t>
             </a:fld>
             <a:endParaRPr lang="pt-BR"/>
           </a:p>
@@ -8158,7 +8173,7 @@
             <a:fld id="{275F0C2A-2D46-4BF1-8C5E-F57D7C710160}" type="datetimeFigureOut">
               <a:rPr lang="pt-BR" smtClean="0"/>
               <a:pPr/>
-              <a:t>24/05/2021</a:t>
+              <a:t>27/05/2021</a:t>
             </a:fld>
             <a:endParaRPr lang="pt-BR"/>
           </a:p>
@@ -8408,7 +8423,7 @@
             <a:fld id="{275F0C2A-2D46-4BF1-8C5E-F57D7C710160}" type="datetimeFigureOut">
               <a:rPr lang="pt-BR" smtClean="0"/>
               <a:pPr/>
-              <a:t>24/05/2021</a:t>
+              <a:t>27/05/2021</a:t>
             </a:fld>
             <a:endParaRPr lang="pt-BR"/>
           </a:p>
@@ -9123,7 +9138,7 @@
             <a:fld id="{275F0C2A-2D46-4BF1-8C5E-F57D7C710160}" type="datetimeFigureOut">
               <a:rPr lang="pt-BR" smtClean="0"/>
               <a:pPr/>
-              <a:t>24/05/2021</a:t>
+              <a:t>27/05/2021</a:t>
             </a:fld>
             <a:endParaRPr lang="pt-BR"/>
           </a:p>
@@ -9404,7 +9419,7 @@
             <a:fld id="{275F0C2A-2D46-4BF1-8C5E-F57D7C710160}" type="datetimeFigureOut">
               <a:rPr lang="pt-BR" smtClean="0"/>
               <a:pPr/>
-              <a:t>24/05/2021</a:t>
+              <a:t>27/05/2021</a:t>
             </a:fld>
             <a:endParaRPr lang="pt-BR"/>
           </a:p>
@@ -39124,7 +39139,7 @@
             </a:r>
             <a:r>
               <a:rPr lang="pt-BR" dirty="0"/>
-              <a:t>podem ser lidos por qualquer editor de texto e são altamente portáveis</a:t>
+              <a:t>podem ser lidos por qualquer editor de texto</a:t>
             </a:r>
           </a:p>
           <a:p>
